--- a/QuizApplication.pptx
+++ b/QuizApplication.pptx
@@ -146,9 +146,10 @@
     <p1510:client id="{03117039-5755-F7FC-4D65-8ECB062D2EED}" v="64" dt="2024-11-17T22:43:57.623"/>
     <p1510:client id="{09C68507-B00E-25D9-F5C9-36A67F385545}" v="93" dt="2024-11-17T22:35:31.594"/>
     <p1510:client id="{750AF2F2-03EE-957B-4124-30E7DD7AC257}" v="1894" dt="2024-11-17T22:31:40.247"/>
-    <p1510:client id="{959C70A3-A7CC-281A-66E1-51CB66F3EBD5}" v="227" dt="2024-11-17T23:02:18.235"/>
+    <p1510:client id="{959C70A3-A7CC-281A-66E1-51CB66F3EBD5}" v="230" dt="2024-11-17T23:08:18.913"/>
     <p1510:client id="{A9862123-9EC2-AA82-EF08-1D2D8EEB76A2}" v="92" dt="2024-11-17T22:40:52.239"/>
     <p1510:client id="{B53711CF-66E9-58E5-F4D7-B42DF4FC20C4}" v="18" dt="2024-11-17T22:56:07.068"/>
+    <p1510:client id="{D47B86B7-5747-8FC6-F09E-5A100983B0C6}" v="32" dt="2024-11-17T23:11:35.462"/>
     <p1510:client id="{E9EE3EEA-04C6-7138-13AD-FC585EDA1CB3}" v="228" dt="2024-11-17T22:53:26.448"/>
   </p1510:revLst>
 </p1510:revInfo>
@@ -3275,7 +3276,7 @@
           <a:p>
             <a:fld id="{C764DE79-268F-4C1A-8933-263129D2AF90}" type="datetimeFigureOut">
               <a:rPr lang="en-US" dirty="0"/>
-              <a:t>11/17/2024</a:t>
+              <a:t>11/17/24</a:t>
             </a:fld>
             <a:endParaRPr lang="en-US"/>
           </a:p>
@@ -3443,7 +3444,7 @@
           <a:p>
             <a:fld id="{C764DE79-268F-4C1A-8933-263129D2AF90}" type="datetimeFigureOut">
               <a:rPr lang="en-US" dirty="0"/>
-              <a:t>11/17/2024</a:t>
+              <a:t>11/17/24</a:t>
             </a:fld>
             <a:endParaRPr lang="en-US"/>
           </a:p>
@@ -3621,7 +3622,7 @@
           <a:p>
             <a:fld id="{C764DE79-268F-4C1A-8933-263129D2AF90}" type="datetimeFigureOut">
               <a:rPr lang="en-US" dirty="0"/>
-              <a:t>11/17/2024</a:t>
+              <a:t>11/17/24</a:t>
             </a:fld>
             <a:endParaRPr lang="en-US"/>
           </a:p>
@@ -3789,7 +3790,7 @@
           <a:p>
             <a:fld id="{C764DE79-268F-4C1A-8933-263129D2AF90}" type="datetimeFigureOut">
               <a:rPr lang="en-US" dirty="0"/>
-              <a:t>11/17/2024</a:t>
+              <a:t>11/17/24</a:t>
             </a:fld>
             <a:endParaRPr lang="en-US"/>
           </a:p>
@@ -4034,7 +4035,7 @@
           <a:p>
             <a:fld id="{C764DE79-268F-4C1A-8933-263129D2AF90}" type="datetimeFigureOut">
               <a:rPr lang="en-US" dirty="0"/>
-              <a:t>11/17/2024</a:t>
+              <a:t>11/17/24</a:t>
             </a:fld>
             <a:endParaRPr lang="en-US"/>
           </a:p>
@@ -4263,7 +4264,7 @@
           <a:p>
             <a:fld id="{C764DE79-268F-4C1A-8933-263129D2AF90}" type="datetimeFigureOut">
               <a:rPr lang="en-US" dirty="0"/>
-              <a:t>11/17/2024</a:t>
+              <a:t>11/17/24</a:t>
             </a:fld>
             <a:endParaRPr lang="en-US"/>
           </a:p>
@@ -4627,7 +4628,7 @@
           <a:p>
             <a:fld id="{C764DE79-268F-4C1A-8933-263129D2AF90}" type="datetimeFigureOut">
               <a:rPr lang="en-US" dirty="0"/>
-              <a:t>11/17/2024</a:t>
+              <a:t>11/17/24</a:t>
             </a:fld>
             <a:endParaRPr lang="en-US"/>
           </a:p>
@@ -4744,7 +4745,7 @@
           <a:p>
             <a:fld id="{C764DE79-268F-4C1A-8933-263129D2AF90}" type="datetimeFigureOut">
               <a:rPr lang="en-US" dirty="0"/>
-              <a:t>11/17/2024</a:t>
+              <a:t>11/17/24</a:t>
             </a:fld>
             <a:endParaRPr lang="en-US"/>
           </a:p>
@@ -4839,7 +4840,7 @@
           <a:p>
             <a:fld id="{C764DE79-268F-4C1A-8933-263129D2AF90}" type="datetimeFigureOut">
               <a:rPr lang="en-US" dirty="0"/>
-              <a:t>11/17/2024</a:t>
+              <a:t>11/17/24</a:t>
             </a:fld>
             <a:endParaRPr lang="en-US"/>
           </a:p>
@@ -5114,7 +5115,7 @@
           <a:p>
             <a:fld id="{C764DE79-268F-4C1A-8933-263129D2AF90}" type="datetimeFigureOut">
               <a:rPr lang="en-US" dirty="0"/>
-              <a:t>11/17/2024</a:t>
+              <a:t>11/17/24</a:t>
             </a:fld>
             <a:endParaRPr lang="en-US"/>
           </a:p>
@@ -5366,7 +5367,7 @@
           <a:p>
             <a:fld id="{C764DE79-268F-4C1A-8933-263129D2AF90}" type="datetimeFigureOut">
               <a:rPr lang="en-US" dirty="0"/>
-              <a:t>11/17/2024</a:t>
+              <a:t>11/17/24</a:t>
             </a:fld>
             <a:endParaRPr lang="en-US"/>
           </a:p>
@@ -5577,7 +5578,7 @@
           <a:p>
             <a:fld id="{C764DE79-268F-4C1A-8933-263129D2AF90}" type="datetimeFigureOut">
               <a:rPr lang="en-US" dirty="0"/>
-              <a:t>11/17/2024</a:t>
+              <a:t>11/17/24</a:t>
             </a:fld>
             <a:endParaRPr lang="en-US"/>
           </a:p>
@@ -6011,7 +6012,7 @@
           <a:lstStyle/>
           <a:p>
             <a:r>
-              <a:rPr lang="en-IN" sz="3800" b="1" dirty="0">
+              <a:rPr lang="en-IN" sz="3800" b="1">
                 <a:latin typeface="Calibri"/>
                 <a:cs typeface="Calibri"/>
               </a:rPr>
@@ -6836,7 +6837,7 @@
         <p:spPr>
           <a:xfrm>
             <a:off x="1230284" y="615142"/>
-            <a:ext cx="1657377" cy="523220"/>
+            <a:ext cx="1702389" cy="523220"/>
           </a:xfrm>
           <a:prstGeom prst="rect">
             <a:avLst/>
@@ -6850,10 +6851,11 @@
           <a:lstStyle/>
           <a:p>
             <a:r>
-              <a:rPr lang="en-US" sz="2800" err="1"/>
+              <a:rPr lang="en-US" sz="2800" b="1" err="1"/>
               <a:t>WorkFlow</a:t>
             </a:r>
-            <a:endParaRPr lang="en-US" sz="2800">
+            <a:endParaRPr lang="en-US" sz="2800" b="1">
+              <a:ea typeface="Calibri"/>
               <a:cs typeface="Calibri"/>
             </a:endParaRPr>
           </a:p>
@@ -7040,7 +7042,7 @@
         </p:nvSpPr>
         <p:spPr>
           <a:xfrm>
-            <a:off x="4381846" y="3248101"/>
+            <a:off x="4381846" y="3182317"/>
             <a:ext cx="7547428" cy="3493264"/>
           </a:xfrm>
           <a:prstGeom prst="rect">
@@ -11782,7 +11784,7 @@
           <a:lstStyle/>
           <a:p>
             <a:r>
-              <a:rPr lang="en-US" b="1" dirty="0">
+              <a:rPr lang="en-US" b="1">
                 <a:ea typeface="+mn-lt"/>
                 <a:cs typeface="+mn-lt"/>
               </a:rPr>
@@ -11797,7 +11799,7 @@
           </a:p>
           <a:p>
             <a:r>
-              <a:rPr lang="en-US" dirty="0">
+              <a:rPr lang="en-US">
                 <a:ea typeface="+mn-lt"/>
                 <a:cs typeface="+mn-lt"/>
               </a:rPr>
@@ -12009,34 +12011,34 @@
           <a:lstStyle/>
           <a:p>
             <a:pPr algn="l"/>
-            <a:endParaRPr lang="en-US" dirty="0">
+            <a:endParaRPr lang="en-US">
               <a:cs typeface="Calibri"/>
             </a:endParaRPr>
           </a:p>
           <a:p>
-            <a:endParaRPr lang="en-US" dirty="0">
+            <a:endParaRPr lang="en-US">
               <a:cs typeface="Calibri"/>
             </a:endParaRPr>
           </a:p>
           <a:p>
             <a:r>
-              <a:rPr lang="en-US" b="1" dirty="0">
+              <a:rPr lang="en-US" b="1">
                 <a:cs typeface="Calibri"/>
               </a:rPr>
               <a:t>End Product:</a:t>
             </a:r>
-            <a:endParaRPr lang="en-US" dirty="0">
+            <a:endParaRPr lang="en-US">
               <a:cs typeface="Calibri"/>
             </a:endParaRPr>
           </a:p>
           <a:p>
-            <a:endParaRPr lang="en-US" dirty="0">
+            <a:endParaRPr lang="en-US">
               <a:cs typeface="Calibri"/>
             </a:endParaRPr>
           </a:p>
           <a:p>
             <a:r>
-              <a:rPr lang="en-US" dirty="0">
+              <a:rPr lang="en-US">
                 <a:ea typeface="+mn-lt"/>
                 <a:cs typeface="+mn-lt"/>
               </a:rPr>
@@ -12080,16 +12082,16 @@
           <a:lstStyle/>
           <a:p>
             <a:r>
-              <a:rPr lang="en-US" b="1" dirty="0">
+              <a:rPr lang="en-US" b="1">
                 <a:ea typeface="+mn-lt"/>
                 <a:cs typeface="+mn-lt"/>
               </a:rPr>
               <a:t>Tech Stack:</a:t>
             </a:r>
-            <a:endParaRPr lang="en-US" dirty="0"/>
-          </a:p>
-          <a:p>
-            <a:endParaRPr lang="en-US" b="1" dirty="0">
+            <a:endParaRPr lang="en-US"/>
+          </a:p>
+          <a:p>
+            <a:endParaRPr lang="en-US" b="1">
               <a:ea typeface="+mn-lt"/>
               <a:cs typeface="+mn-lt"/>
             </a:endParaRPr>
@@ -12100,28 +12102,28 @@
               <a:buChar char="•"/>
             </a:pPr>
             <a:r>
-              <a:rPr lang="en-US" b="1" dirty="0">
+              <a:rPr lang="en-US" b="1">
                 <a:ea typeface="+mn-lt"/>
                 <a:cs typeface="+mn-lt"/>
               </a:rPr>
               <a:t>Java</a:t>
             </a:r>
             <a:r>
-              <a:rPr lang="en-US" dirty="0">
+              <a:rPr lang="en-US">
                 <a:ea typeface="+mn-lt"/>
                 <a:cs typeface="+mn-lt"/>
               </a:rPr>
               <a:t> – </a:t>
             </a:r>
             <a:r>
-              <a:rPr lang="en-US" b="1" dirty="0">
+              <a:rPr lang="en-US" b="1">
                 <a:ea typeface="+mn-lt"/>
                 <a:cs typeface="+mn-lt"/>
               </a:rPr>
               <a:t>Spring Boot</a:t>
             </a:r>
             <a:r>
-              <a:rPr lang="en-US" dirty="0">
+              <a:rPr lang="en-US">
                 <a:ea typeface="+mn-lt"/>
                 <a:cs typeface="+mn-lt"/>
               </a:rPr>
@@ -12134,14 +12136,14 @@
               <a:buChar char="•"/>
             </a:pPr>
             <a:r>
-              <a:rPr lang="en-US" b="1" dirty="0">
+              <a:rPr lang="en-US" b="1">
                 <a:ea typeface="+mn-lt"/>
                 <a:cs typeface="+mn-lt"/>
               </a:rPr>
               <a:t>Lombok Library</a:t>
             </a:r>
             <a:r>
-              <a:rPr lang="en-US" dirty="0">
+              <a:rPr lang="en-US">
                 <a:ea typeface="+mn-lt"/>
                 <a:cs typeface="+mn-lt"/>
               </a:rPr>
@@ -12157,20 +12159,20 @@
               <a:buChar char="•"/>
             </a:pPr>
             <a:r>
-              <a:rPr lang="en-US" b="1" dirty="0">
+              <a:rPr lang="en-US" b="1">
                 <a:ea typeface="+mn-lt"/>
                 <a:cs typeface="+mn-lt"/>
               </a:rPr>
               <a:t>Spring JPA</a:t>
             </a:r>
             <a:r>
-              <a:rPr lang="en-US" dirty="0">
+              <a:rPr lang="en-US">
                 <a:ea typeface="+mn-lt"/>
                 <a:cs typeface="+mn-lt"/>
               </a:rPr>
               <a:t> – Database interaction using Java Persistence API.</a:t>
             </a:r>
-            <a:endParaRPr lang="en-US" dirty="0"/>
+            <a:endParaRPr lang="en-US"/>
           </a:p>
           <a:p>
             <a:pPr marL="285750" indent="-285750">
@@ -12178,20 +12180,20 @@
               <a:buChar char="•"/>
             </a:pPr>
             <a:r>
-              <a:rPr lang="en-US" b="1" dirty="0">
+              <a:rPr lang="en-US" b="1">
                 <a:ea typeface="+mn-lt"/>
                 <a:cs typeface="+mn-lt"/>
               </a:rPr>
               <a:t>PostgreSQL</a:t>
             </a:r>
             <a:r>
-              <a:rPr lang="en-US" dirty="0">
+              <a:rPr lang="en-US">
                 <a:ea typeface="+mn-lt"/>
                 <a:cs typeface="+mn-lt"/>
               </a:rPr>
               <a:t> – Relational database management system.</a:t>
             </a:r>
-            <a:endParaRPr lang="en-US" dirty="0"/>
+            <a:endParaRPr lang="en-US"/>
           </a:p>
           <a:p>
             <a:pPr marL="285750" indent="-285750">
@@ -12199,20 +12201,20 @@
               <a:buChar char="•"/>
             </a:pPr>
             <a:r>
-              <a:rPr lang="en-US" b="1" dirty="0">
+              <a:rPr lang="en-US" b="1">
                 <a:ea typeface="+mn-lt"/>
                 <a:cs typeface="+mn-lt"/>
               </a:rPr>
               <a:t>Netflix Eureka</a:t>
             </a:r>
             <a:r>
-              <a:rPr lang="en-US" dirty="0">
+              <a:rPr lang="en-US">
                 <a:ea typeface="+mn-lt"/>
                 <a:cs typeface="+mn-lt"/>
               </a:rPr>
               <a:t> – Service discovery for microservices.</a:t>
             </a:r>
-            <a:endParaRPr lang="en-US" dirty="0"/>
+            <a:endParaRPr lang="en-US"/>
           </a:p>
           <a:p>
             <a:pPr marL="285750" indent="-285750">
@@ -12220,20 +12222,20 @@
               <a:buChar char="•"/>
             </a:pPr>
             <a:r>
-              <a:rPr lang="en-US" b="1" dirty="0" err="1">
+              <a:rPr lang="en-US" b="1" err="1">
                 <a:ea typeface="+mn-lt"/>
                 <a:cs typeface="+mn-lt"/>
               </a:rPr>
               <a:t>OpenFeign</a:t>
             </a:r>
             <a:r>
-              <a:rPr lang="en-US" dirty="0">
+              <a:rPr lang="en-US">
                 <a:ea typeface="+mn-lt"/>
                 <a:cs typeface="+mn-lt"/>
               </a:rPr>
               <a:t> – Declarative REST client for inter-service communication.</a:t>
             </a:r>
-            <a:endParaRPr lang="en-US" dirty="0"/>
+            <a:endParaRPr lang="en-US"/>
           </a:p>
           <a:p>
             <a:pPr marL="285750" indent="-285750">
@@ -12241,24 +12243,24 @@
               <a:buChar char="•"/>
             </a:pPr>
             <a:r>
-              <a:rPr lang="en-US" b="1" dirty="0">
+              <a:rPr lang="en-US" b="1">
                 <a:ea typeface="+mn-lt"/>
                 <a:cs typeface="+mn-lt"/>
               </a:rPr>
               <a:t>Spring Cloud Gateway</a:t>
             </a:r>
             <a:r>
-              <a:rPr lang="en-US" dirty="0">
+              <a:rPr lang="en-US">
                 <a:ea typeface="+mn-lt"/>
                 <a:cs typeface="+mn-lt"/>
               </a:rPr>
               <a:t> – API Gateway for routing and load balancing.</a:t>
             </a:r>
-            <a:endParaRPr lang="en-US" dirty="0"/>
+            <a:endParaRPr lang="en-US"/>
           </a:p>
           <a:p>
             <a:pPr algn="l"/>
-            <a:endParaRPr lang="en-US" dirty="0">
+            <a:endParaRPr lang="en-US">
               <a:cs typeface="Calibri"/>
             </a:endParaRPr>
           </a:p>
@@ -15071,7 +15073,7 @@
         </p:nvSpPr>
         <p:spPr>
           <a:xfrm>
-            <a:off x="7928114" y="636707"/>
+            <a:off x="8229597" y="1232608"/>
             <a:ext cx="3200400" cy="2991937"/>
           </a:xfrm>
           <a:prstGeom prst="rect">
@@ -15088,7 +15090,7 @@
           <a:lstStyle/>
           <a:p>
             <a:r>
-              <a:rPr lang="en-US">
+              <a:rPr lang="en-US" sz="2800" b="1" dirty="0">
                 <a:solidFill>
                   <a:srgbClr val="000000"/>
                 </a:solidFill>
@@ -15097,14 +15099,14 @@
               <a:t>Load</a:t>
             </a:r>
             <a:r>
-              <a:rPr lang="en-US">
+              <a:rPr lang="en-US" sz="2800" b="1" dirty="0">
                 <a:solidFill>
                   <a:srgbClr val="000000"/>
                 </a:solidFill>
               </a:rPr>
               <a:t> Balancing &amp; API Gateway</a:t>
             </a:r>
-            <a:endParaRPr lang="en-US">
+            <a:endParaRPr lang="en-US" sz="2800" b="1" dirty="0">
               <a:ea typeface="+mn-ea"/>
               <a:cs typeface="+mn-cs"/>
             </a:endParaRPr>
@@ -15118,7 +15120,7 @@
                 <a:spcPts val="1000"/>
               </a:spcBef>
             </a:pPr>
-            <a:endParaRPr lang="en-US">
+            <a:endParaRPr lang="en-US" sz="2800" b="1" dirty="0">
               <a:ea typeface="+mn-ea"/>
               <a:cs typeface="+mn-cs"/>
             </a:endParaRPr>
@@ -15555,29 +15557,26 @@
           <a:lstStyle/>
           <a:p>
             <a:r>
-              <a:rPr lang="en-IN" b="1">
+              <a:rPr lang="en-IN" b="1" dirty="0">
                 <a:latin typeface="Calibri"/>
                 <a:cs typeface="Calibri"/>
               </a:rPr>
               <a:t>Configuration:</a:t>
             </a:r>
-            <a:endParaRPr lang="en-US">
+            <a:endParaRPr lang="en-US" dirty="0">
               <a:latin typeface="Calibri"/>
               <a:cs typeface="Calibri"/>
             </a:endParaRPr>
           </a:p>
           <a:p>
-            <a:pPr marL="342900" indent="-342900">
-              <a:buAutoNum type="arabicPeriod"/>
-            </a:pPr>
-            <a:r>
-              <a:rPr lang="en-IN" b="1">
+            <a:r>
+              <a:rPr lang="en-IN" b="1" dirty="0">
                 <a:latin typeface="Calibri"/>
                 <a:cs typeface="Calibri"/>
               </a:rPr>
               <a:t>API Gateway Settings:</a:t>
             </a:r>
-            <a:endParaRPr lang="en-IN">
+            <a:endParaRPr lang="en-IN" dirty="0">
               <a:latin typeface="Calibri"/>
               <a:cs typeface="Calibri"/>
             </a:endParaRPr>
@@ -15587,7 +15586,7 @@
               <a:buAutoNum type="arabicPeriod"/>
             </a:pPr>
             <a:r>
-              <a:rPr lang="en-IN" err="1">
+              <a:rPr lang="en-IN" dirty="0" err="1">
                 <a:solidFill>
                   <a:srgbClr val="000000"/>
                 </a:solidFill>
@@ -15597,7 +15596,7 @@
               <a:t>spring.cloud.gateway.discovery.locator.enabled</a:t>
             </a:r>
             <a:r>
-              <a:rPr lang="en-IN">
+              <a:rPr lang="en-IN" dirty="0">
                 <a:solidFill>
                   <a:srgbClr val="000000"/>
                 </a:solidFill>
@@ -15607,13 +15606,13 @@
               <a:t>=true: Enables service discovery </a:t>
             </a:r>
             <a:r>
-              <a:rPr lang="en-IN">
+              <a:rPr lang="en-IN" dirty="0">
                 <a:latin typeface="Calibri"/>
                 <a:cs typeface="Calibri"/>
               </a:rPr>
               <a:t>for routing.</a:t>
             </a:r>
-            <a:endParaRPr lang="en-US">
+            <a:endParaRPr lang="en-US" dirty="0">
               <a:latin typeface="Calibri"/>
               <a:cs typeface="Calibri"/>
             </a:endParaRPr>
@@ -15623,36 +15622,33 @@
               <a:buAutoNum type="arabicPeriod"/>
             </a:pPr>
             <a:r>
-              <a:rPr lang="en-IN" err="1">
+              <a:rPr lang="en-IN" dirty="0" err="1">
                 <a:latin typeface="Calibri"/>
                 <a:cs typeface="Calibri"/>
               </a:rPr>
               <a:t>spring.cloud.gateway.discovery.locator.lower</a:t>
             </a:r>
             <a:r>
-              <a:rPr lang="en-IN">
+              <a:rPr lang="en-IN" dirty="0">
                 <a:latin typeface="Calibri"/>
                 <a:cs typeface="Calibri"/>
               </a:rPr>
               <a:t>-case-service-id=true: Normalizes service IDs to lowercase.</a:t>
             </a:r>
-            <a:endParaRPr lang="en-US">
+            <a:endParaRPr lang="en-US" dirty="0">
               <a:latin typeface="Calibri"/>
               <a:cs typeface="Calibri"/>
             </a:endParaRPr>
           </a:p>
           <a:p>
-            <a:pPr marL="342900" indent="-342900">
-              <a:buAutoNum type="arabicPeriod"/>
-            </a:pPr>
-            <a:r>
-              <a:rPr lang="en-IN" b="1">
+            <a:r>
+              <a:rPr lang="en-IN" b="1" dirty="0">
                 <a:latin typeface="Calibri"/>
                 <a:cs typeface="Calibri"/>
               </a:rPr>
               <a:t>Dependencies:</a:t>
             </a:r>
-            <a:endParaRPr lang="en-IN">
+            <a:endParaRPr lang="en-IN" dirty="0">
               <a:latin typeface="Calibri"/>
               <a:cs typeface="Calibri"/>
             </a:endParaRPr>
@@ -15662,13 +15658,13 @@
               <a:buAutoNum type="arabicPeriod"/>
             </a:pPr>
             <a:r>
-              <a:rPr lang="en-IN">
+              <a:rPr lang="en-IN" dirty="0">
                 <a:latin typeface="Calibri"/>
                 <a:cs typeface="Calibri"/>
               </a:rPr>
               <a:t>spring-cloud-starter-gateway: Enables API Gateway functionality.</a:t>
             </a:r>
-            <a:endParaRPr lang="en-US">
+            <a:endParaRPr lang="en-US" dirty="0">
               <a:cs typeface="Calibri"/>
             </a:endParaRPr>
           </a:p>
@@ -15677,27 +15673,27 @@
               <a:buAutoNum type="arabicPeriod"/>
             </a:pPr>
             <a:r>
-              <a:rPr lang="en-IN">
+              <a:rPr lang="en-IN" dirty="0">
                 <a:latin typeface="Calibri"/>
                 <a:cs typeface="Calibri"/>
               </a:rPr>
               <a:t>spring-cloud-starter-</a:t>
             </a:r>
             <a:r>
-              <a:rPr lang="en-IN" err="1">
+              <a:rPr lang="en-IN" dirty="0" err="1">
                 <a:latin typeface="Calibri"/>
                 <a:cs typeface="Calibri"/>
               </a:rPr>
               <a:t>netflix</a:t>
             </a:r>
             <a:r>
-              <a:rPr lang="en-IN">
+              <a:rPr lang="en-IN" dirty="0">
                 <a:latin typeface="Calibri"/>
                 <a:cs typeface="Calibri"/>
               </a:rPr>
               <a:t>-eureka-client: Allows the API Gateway to register with Eureka.</a:t>
             </a:r>
-            <a:endParaRPr lang="en-IN">
+            <a:endParaRPr lang="en-IN" dirty="0">
               <a:cs typeface="Calibri"/>
             </a:endParaRPr>
           </a:p>
@@ -15705,7 +15701,7 @@
             <a:pPr marL="742950" lvl="1" indent="-285750">
               <a:buAutoNum type="arabicPeriod"/>
             </a:pPr>
-            <a:endParaRPr lang="en-IN">
+            <a:endParaRPr lang="en-IN" dirty="0">
               <a:cs typeface="Calibri"/>
             </a:endParaRPr>
           </a:p>
@@ -15725,7 +15721,7 @@
         </p:nvSpPr>
         <p:spPr>
           <a:xfrm>
-            <a:off x="304799" y="3754581"/>
+            <a:off x="152404" y="3742004"/>
             <a:ext cx="7619999" cy="2031325"/>
           </a:xfrm>
           <a:prstGeom prst="rect">
@@ -15743,12 +15739,12 @@
           <a:lstStyle/>
           <a:p>
             <a:r>
-              <a:rPr lang="en-IN" b="1">
+              <a:rPr lang="en-IN" b="1" dirty="0">
                 <a:cs typeface="Calibri"/>
               </a:rPr>
               <a:t>Flow:</a:t>
             </a:r>
-            <a:endParaRPr lang="en-US">
+            <a:endParaRPr lang="en-US" dirty="0">
               <a:cs typeface="Calibri"/>
             </a:endParaRPr>
           </a:p>
@@ -15757,36 +15753,48 @@
               <a:buAutoNum type="arabicPeriod"/>
             </a:pPr>
             <a:r>
-              <a:rPr lang="en-IN">
+              <a:rPr lang="en-IN" dirty="0">
                 <a:cs typeface="Calibri"/>
               </a:rPr>
               <a:t>The </a:t>
             </a:r>
             <a:r>
-              <a:rPr lang="en-IN" b="1">
+              <a:rPr lang="en-IN" b="1" dirty="0">
                 <a:cs typeface="Calibri"/>
               </a:rPr>
               <a:t>API Gateway</a:t>
             </a:r>
             <a:r>
-              <a:rPr lang="en-IN">
+              <a:rPr lang="en-IN" dirty="0">
                 <a:cs typeface="Calibri"/>
               </a:rPr>
               <a:t> registers with </a:t>
             </a:r>
             <a:r>
-              <a:rPr lang="en-IN" b="1">
+              <a:rPr lang="en-IN" b="1" dirty="0">
                 <a:cs typeface="Calibri"/>
               </a:rPr>
               <a:t>Eureka</a:t>
             </a:r>
             <a:r>
-              <a:rPr lang="en-IN">
+              <a:rPr lang="en-IN" dirty="0">
                 <a:cs typeface="Calibri"/>
               </a:rPr>
-              <a:t> upon startup.</a:t>
-            </a:r>
-            <a:endParaRPr lang="en-US">
+              <a:t> upon </a:t>
+            </a:r>
+            <a:r>
+              <a:rPr lang="en-IN" dirty="0" err="1">
+                <a:cs typeface="Calibri"/>
+              </a:rPr>
+              <a:t>startup</a:t>
+            </a:r>
+            <a:r>
+              <a:rPr lang="en-IN" dirty="0">
+                <a:cs typeface="Calibri"/>
+              </a:rPr>
+              <a:t>.</a:t>
+            </a:r>
+            <a:endParaRPr lang="en-US" dirty="0">
               <a:cs typeface="Calibri"/>
             </a:endParaRPr>
           </a:p>
@@ -15795,24 +15803,24 @@
               <a:buAutoNum type="arabicPeriod"/>
             </a:pPr>
             <a:r>
-              <a:rPr lang="en-IN">
+              <a:rPr lang="en-IN" dirty="0">
                 <a:cs typeface="Calibri"/>
               </a:rPr>
               <a:t>When a request is received, the API Gateway queries </a:t>
             </a:r>
             <a:r>
-              <a:rPr lang="en-IN" b="1">
+              <a:rPr lang="en-IN" b="1" dirty="0">
                 <a:cs typeface="Calibri"/>
               </a:rPr>
               <a:t>Eureka</a:t>
             </a:r>
             <a:r>
-              <a:rPr lang="en-IN">
+              <a:rPr lang="en-IN" dirty="0">
                 <a:cs typeface="Calibri"/>
               </a:rPr>
               <a:t> for the relevant service.</a:t>
             </a:r>
-            <a:endParaRPr lang="en-US">
+            <a:endParaRPr lang="en-US" dirty="0">
               <a:cs typeface="Calibri"/>
             </a:endParaRPr>
           </a:p>
@@ -15821,30 +15829,30 @@
               <a:buAutoNum type="arabicPeriod"/>
             </a:pPr>
             <a:r>
-              <a:rPr lang="en-IN" b="1">
+              <a:rPr lang="en-IN" b="1" dirty="0">
                 <a:cs typeface="Calibri"/>
               </a:rPr>
               <a:t>Eureka</a:t>
             </a:r>
             <a:r>
-              <a:rPr lang="en-IN">
+              <a:rPr lang="en-IN" dirty="0">
                 <a:cs typeface="Calibri"/>
               </a:rPr>
               <a:t> returns available service instances, and the </a:t>
             </a:r>
             <a:r>
-              <a:rPr lang="en-IN" b="1">
+              <a:rPr lang="en-IN" b="1" dirty="0">
                 <a:cs typeface="Calibri"/>
               </a:rPr>
               <a:t>API Gateway</a:t>
             </a:r>
             <a:r>
-              <a:rPr lang="en-IN">
+              <a:rPr lang="en-IN" dirty="0">
                 <a:cs typeface="Calibri"/>
               </a:rPr>
               <a:t> routes the request to one of them.</a:t>
             </a:r>
-            <a:endParaRPr lang="en-US">
+            <a:endParaRPr lang="en-US" dirty="0">
               <a:cs typeface="Calibri"/>
             </a:endParaRPr>
           </a:p>
@@ -15853,30 +15861,30 @@
               <a:buAutoNum type="arabicPeriod"/>
             </a:pPr>
             <a:r>
-              <a:rPr lang="en-IN" b="1">
+              <a:rPr lang="en-IN" b="1" dirty="0">
                 <a:cs typeface="Calibri"/>
               </a:rPr>
               <a:t>Load balancing</a:t>
             </a:r>
             <a:r>
-              <a:rPr lang="en-IN">
+              <a:rPr lang="en-IN" dirty="0">
                 <a:cs typeface="Calibri"/>
               </a:rPr>
               <a:t> is handled automatically by </a:t>
             </a:r>
             <a:r>
-              <a:rPr lang="en-IN" b="1">
+              <a:rPr lang="en-IN" b="1" dirty="0">
                 <a:cs typeface="Calibri"/>
               </a:rPr>
               <a:t>Spring Cloud Gateway</a:t>
             </a:r>
             <a:r>
-              <a:rPr lang="en-IN">
+              <a:rPr lang="en-IN" dirty="0">
                 <a:cs typeface="Calibri"/>
               </a:rPr>
               <a:t>.</a:t>
             </a:r>
-            <a:endParaRPr lang="en-US"/>
+            <a:endParaRPr lang="en-US" dirty="0"/>
           </a:p>
         </p:txBody>
       </p:sp>
@@ -16766,14 +16774,14 @@
               </a:spcAft>
             </a:pPr>
             <a:r>
-              <a:rPr lang="en-US" sz="2200" baseline="0" dirty="0"/>
+              <a:rPr lang="en-US" sz="2200" baseline="0"/>
               <a:t>Create User Interface</a:t>
             </a:r>
             <a:r>
-              <a:rPr lang="en-US" sz="2200" dirty="0"/>
+              <a:rPr lang="en-US" sz="2200"/>
               <a:t>​</a:t>
             </a:r>
-            <a:endParaRPr lang="en-US" sz="2200" dirty="0">
+            <a:endParaRPr lang="en-US" sz="2200">
               <a:cs typeface="Calibri"/>
             </a:endParaRPr>
           </a:p>
@@ -16787,30 +16795,30 @@
               </a:spcAft>
             </a:pPr>
             <a:r>
-              <a:rPr lang="en-US" sz="2200" baseline="0" dirty="0"/>
+              <a:rPr lang="en-US" sz="2200" baseline="0"/>
               <a:t>Implement roles like – admin to create </a:t>
             </a:r>
             <a:r>
-              <a:rPr lang="en-US" sz="2200" dirty="0"/>
+              <a:rPr lang="en-US" sz="2200"/>
               <a:t>quizzes</a:t>
             </a:r>
             <a:r>
-              <a:rPr lang="en-US" sz="2200" baseline="0" dirty="0"/>
+              <a:rPr lang="en-US" sz="2200" baseline="0"/>
               <a:t> </a:t>
             </a:r>
             <a:r>
-              <a:rPr lang="en-US" sz="2200" dirty="0"/>
+              <a:rPr lang="en-US" sz="2200"/>
               <a:t>: </a:t>
             </a:r>
             <a:r>
-              <a:rPr lang="en-US" sz="2200" baseline="0" dirty="0"/>
+              <a:rPr lang="en-US" sz="2200" baseline="0"/>
               <a:t>users to answer quizzes.</a:t>
             </a:r>
             <a:r>
-              <a:rPr lang="en-US" sz="2200" dirty="0"/>
+              <a:rPr lang="en-US" sz="2200"/>
               <a:t>​</a:t>
             </a:r>
-            <a:endParaRPr lang="en-US" sz="2200" dirty="0">
+            <a:endParaRPr lang="en-US" sz="2200">
               <a:cs typeface="Calibri" panose="020F0502020204030204"/>
             </a:endParaRPr>
           </a:p>
@@ -16824,30 +16832,30 @@
               </a:spcAft>
             </a:pPr>
             <a:r>
-              <a:rPr lang="en-US" sz="2200" dirty="0"/>
+              <a:rPr lang="en-US" sz="2200"/>
               <a:t>Implement</a:t>
             </a:r>
             <a:r>
-              <a:rPr lang="en-US" sz="2200" baseline="0" dirty="0"/>
+              <a:rPr lang="en-US" sz="2200" baseline="0"/>
               <a:t> security: </a:t>
             </a:r>
             <a:r>
-              <a:rPr lang="en-US" sz="2200" dirty="0"/>
+              <a:rPr lang="en-US" sz="2200"/>
               <a:t>Spring Security/</a:t>
             </a:r>
             <a:r>
-              <a:rPr lang="en-US" sz="2200" dirty="0" err="1"/>
+              <a:rPr lang="en-US" sz="2200" err="1"/>
               <a:t>Oauth</a:t>
             </a:r>
             <a:r>
-              <a:rPr lang="en-US" sz="2200" baseline="0" dirty="0"/>
+              <a:rPr lang="en-US" sz="2200" baseline="0"/>
               <a:t>/JWT for secure login </a:t>
             </a:r>
             <a:r>
-              <a:rPr lang="en-US" sz="2200" dirty="0"/>
+              <a:rPr lang="en-US" sz="2200"/>
               <a:t>​</a:t>
             </a:r>
-            <a:endParaRPr lang="en-US" sz="2200" dirty="0">
+            <a:endParaRPr lang="en-US" sz="2200">
               <a:cs typeface="Calibri" panose="020F0502020204030204"/>
             </a:endParaRPr>
           </a:p>
@@ -16861,14 +16869,14 @@
               </a:spcAft>
             </a:pPr>
             <a:r>
-              <a:rPr lang="en-US" sz="2200" baseline="0" dirty="0"/>
+              <a:rPr lang="en-US" sz="2200" baseline="0"/>
               <a:t>Explore other service registry - Consul for service discovery</a:t>
             </a:r>
             <a:r>
-              <a:rPr lang="en-US" sz="2200" dirty="0"/>
+              <a:rPr lang="en-US" sz="2200"/>
               <a:t>​</a:t>
             </a:r>
-            <a:endParaRPr lang="en-US" sz="2200" dirty="0">
+            <a:endParaRPr lang="en-US" sz="2200">
               <a:cs typeface="Calibri" panose="020F0502020204030204"/>
             </a:endParaRPr>
           </a:p>
@@ -16882,14 +16890,14 @@
               </a:spcAft>
             </a:pPr>
             <a:r>
-              <a:rPr lang="en-US" sz="2200" baseline="0" dirty="0"/>
+              <a:rPr lang="en-US" sz="2200" baseline="0"/>
               <a:t>Add health check endpoints to monitor service status</a:t>
             </a:r>
             <a:r>
-              <a:rPr lang="en-US" sz="2200" dirty="0"/>
+              <a:rPr lang="en-US" sz="2200"/>
               <a:t>​</a:t>
             </a:r>
-            <a:endParaRPr lang="en-US" sz="2200" dirty="0">
+            <a:endParaRPr lang="en-US" sz="2200">
               <a:cs typeface="Calibri" panose="020F0502020204030204"/>
             </a:endParaRPr>
           </a:p>
@@ -16903,14 +16911,14 @@
               </a:spcAft>
             </a:pPr>
             <a:r>
-              <a:rPr lang="en-US" sz="2200" baseline="0" dirty="0"/>
+              <a:rPr lang="en-US" sz="2200" baseline="0"/>
               <a:t>Use Redis for caching frequently used quiz data</a:t>
             </a:r>
             <a:r>
-              <a:rPr lang="en-US" sz="2200" dirty="0"/>
+              <a:rPr lang="en-US" sz="2200"/>
               <a:t>​</a:t>
             </a:r>
-            <a:endParaRPr lang="en-US" sz="2200" dirty="0">
+            <a:endParaRPr lang="en-US" sz="2200">
               <a:cs typeface="Calibri"/>
             </a:endParaRPr>
           </a:p>
@@ -19305,16 +19313,24 @@
               </a:spcAft>
             </a:pPr>
             <a:r>
-              <a:rPr lang="en-US" sz="5000" kern="1200">
-                <a:solidFill>
-                  <a:schemeClr val="tx1"/>
-                </a:solidFill>
-                <a:latin typeface="+mj-lt"/>
-                <a:ea typeface="+mj-ea"/>
-                <a:cs typeface="+mj-cs"/>
-              </a:rPr>
-              <a:t>Project Structure</a:t>
-            </a:r>
+              <a:rPr lang="en-US" sz="5000" b="1" dirty="0">
+                <a:latin typeface="Calibri"/>
+                <a:ea typeface="Calibri"/>
+                <a:cs typeface="Calibri"/>
+              </a:rPr>
+              <a:t>Project </a:t>
+            </a:r>
+            <a:r>
+              <a:rPr lang="en-US" sz="5000" b="1" dirty="0">
+                <a:ea typeface="+mn-lt"/>
+                <a:cs typeface="+mn-lt"/>
+              </a:rPr>
+              <a:t>Structure</a:t>
+            </a:r>
+            <a:endParaRPr lang="en-US" sz="5000" b="1">
+              <a:ea typeface="Calibri"/>
+              <a:cs typeface="Calibri"/>
+            </a:endParaRPr>
           </a:p>
         </p:txBody>
       </p:sp>
@@ -19713,7 +19729,7 @@
         </p:nvSpPr>
         <p:spPr>
           <a:xfrm>
-            <a:off x="6761013" y="5250808"/>
+            <a:off x="6761013" y="4801283"/>
             <a:ext cx="5428764" cy="1607916"/>
           </a:xfrm>
           <a:prstGeom prst="rect">
@@ -19890,7 +19906,7 @@
         </p:nvSpPr>
         <p:spPr>
           <a:xfrm>
-            <a:off x="277091" y="2455553"/>
+            <a:off x="551192" y="1940244"/>
             <a:ext cx="5542477" cy="5524589"/>
           </a:xfrm>
           <a:prstGeom prst="rect">
@@ -20096,6 +20112,1031 @@
           <a:chExt cx="0" cy="0"/>
         </a:xfrm>
       </p:grpSpPr>
+      <p:sp useBgFill="1">
+        <p:nvSpPr>
+          <p:cNvPr id="5" name="Rectangle 4">
+            <a:extLst>
+              <a:ext uri="{FF2B5EF4-FFF2-40B4-BE49-F238E27FC236}">
+                <a16:creationId xmlns:a16="http://schemas.microsoft.com/office/drawing/2014/main" id="{17718681-A12E-49D6-9925-DD7C68176D61}"/>
+              </a:ext>
+              <a:ext uri="{C183D7F6-B498-43B3-948B-1728B52AA6E4}">
+                <adec:decorative xmlns:adec="http://schemas.microsoft.com/office/drawing/2017/decorative" val="1"/>
+              </a:ext>
+            </a:extLst>
+          </p:cNvPr>
+          <p:cNvSpPr>
+            <a:spLocks noGrp="1" noRot="1" noChangeAspect="1" noMove="1" noResize="1" noEditPoints="1" noAdjustHandles="1" noChangeArrowheads="1" noChangeShapeType="1" noTextEdit="1"/>
+          </p:cNvSpPr>
+          <p:nvPr>
+            <p:extLst>
+              <p:ext uri="{386F3935-93C4-4BCD-93E2-E3B085C9AB24}">
+                <p16:designElem xmlns:p16="http://schemas.microsoft.com/office/powerpoint/2015/main" val="1"/>
+              </p:ext>
+            </p:extLst>
+          </p:nvPr>
+        </p:nvSpPr>
+        <p:spPr>
+          <a:xfrm>
+            <a:off x="0" y="0"/>
+            <a:ext cx="12188952" cy="6858000"/>
+          </a:xfrm>
+          <a:prstGeom prst="rect">
+            <a:avLst/>
+          </a:prstGeom>
+          <a:ln>
+            <a:noFill/>
+          </a:ln>
+        </p:spPr>
+        <p:style>
+          <a:lnRef idx="2">
+            <a:schemeClr val="accent1">
+              <a:shade val="50000"/>
+            </a:schemeClr>
+          </a:lnRef>
+          <a:fillRef idx="1">
+            <a:schemeClr val="accent1"/>
+          </a:fillRef>
+          <a:effectRef idx="0">
+            <a:schemeClr val="accent1"/>
+          </a:effectRef>
+          <a:fontRef idx="minor">
+            <a:schemeClr val="lt1"/>
+          </a:fontRef>
+        </p:style>
+        <p:txBody>
+          <a:bodyPr rtlCol="0" anchor="ctr"/>
+          <a:lstStyle/>
+          <a:p>
+            <a:pPr algn="ctr"/>
+            <a:endParaRPr lang="en-US"/>
+          </a:p>
+        </p:txBody>
+      </p:sp>
+      <p:sp>
+        <p:nvSpPr>
+          <p:cNvPr id="6" name="Freeform: Shape 5">
+            <a:extLst>
+              <a:ext uri="{FF2B5EF4-FFF2-40B4-BE49-F238E27FC236}">
+                <a16:creationId xmlns:a16="http://schemas.microsoft.com/office/drawing/2014/main" id="{FBD77573-9EF2-4C35-8285-A1CF6FBB0EA5}"/>
+              </a:ext>
+              <a:ext uri="{C183D7F6-B498-43B3-948B-1728B52AA6E4}">
+                <adec:decorative xmlns:adec="http://schemas.microsoft.com/office/drawing/2017/decorative" val="1"/>
+              </a:ext>
+            </a:extLst>
+          </p:cNvPr>
+          <p:cNvSpPr>
+            <a:spLocks noGrp="1" noRot="1" noChangeAspect="1" noMove="1" noResize="1" noEditPoints="1" noAdjustHandles="1" noChangeArrowheads="1" noChangeShapeType="1" noTextEdit="1"/>
+          </p:cNvSpPr>
+          <p:nvPr>
+            <p:extLst>
+              <p:ext uri="{386F3935-93C4-4BCD-93E2-E3B085C9AB24}">
+                <p16:designElem xmlns:p16="http://schemas.microsoft.com/office/powerpoint/2015/main" val="1"/>
+              </p:ext>
+            </p:extLst>
+          </p:nvPr>
+        </p:nvSpPr>
+        <p:spPr>
+          <a:xfrm flipH="1">
+            <a:off x="1" y="0"/>
+            <a:ext cx="5511704" cy="6858000"/>
+          </a:xfrm>
+          <a:custGeom>
+            <a:avLst/>
+            <a:gdLst>
+              <a:gd name="connsiteX0" fmla="*/ 5511704 w 5511704"/>
+              <a:gd name="connsiteY0" fmla="*/ 0 h 6886576"/>
+              <a:gd name="connsiteX1" fmla="*/ 1008599 w 5511704"/>
+              <a:gd name="connsiteY1" fmla="*/ 0 h 6886576"/>
+              <a:gd name="connsiteX2" fmla="*/ 1310975 w 5511704"/>
+              <a:gd name="connsiteY2" fmla="*/ 110728 h 6886576"/>
+              <a:gd name="connsiteX3" fmla="*/ 1267362 w 5511704"/>
+              <a:gd name="connsiteY3" fmla="*/ 135731 h 6886576"/>
+              <a:gd name="connsiteX4" fmla="*/ 1005692 w 5511704"/>
+              <a:gd name="connsiteY4" fmla="*/ 71437 h 6886576"/>
+              <a:gd name="connsiteX5" fmla="*/ 953358 w 5511704"/>
+              <a:gd name="connsiteY5" fmla="*/ 89297 h 6886576"/>
+              <a:gd name="connsiteX6" fmla="*/ 979525 w 5511704"/>
+              <a:gd name="connsiteY6" fmla="*/ 164307 h 6886576"/>
+              <a:gd name="connsiteX7" fmla="*/ 1092915 w 5511704"/>
+              <a:gd name="connsiteY7" fmla="*/ 192882 h 6886576"/>
+              <a:gd name="connsiteX8" fmla="*/ 1270270 w 5511704"/>
+              <a:gd name="connsiteY8" fmla="*/ 375047 h 6886576"/>
+              <a:gd name="connsiteX9" fmla="*/ 1002784 w 5511704"/>
+              <a:gd name="connsiteY9" fmla="*/ 353615 h 6886576"/>
+              <a:gd name="connsiteX10" fmla="*/ 956265 w 5511704"/>
+              <a:gd name="connsiteY10" fmla="*/ 396479 h 6886576"/>
+              <a:gd name="connsiteX11" fmla="*/ 938820 w 5511704"/>
+              <a:gd name="connsiteY11" fmla="*/ 453629 h 6886576"/>
+              <a:gd name="connsiteX12" fmla="*/ 860319 w 5511704"/>
+              <a:gd name="connsiteY12" fmla="*/ 360759 h 6886576"/>
+              <a:gd name="connsiteX13" fmla="*/ 793447 w 5511704"/>
+              <a:gd name="connsiteY13" fmla="*/ 335757 h 6886576"/>
+              <a:gd name="connsiteX14" fmla="*/ 773095 w 5511704"/>
+              <a:gd name="connsiteY14" fmla="*/ 417910 h 6886576"/>
+              <a:gd name="connsiteX15" fmla="*/ 834151 w 5511704"/>
+              <a:gd name="connsiteY15" fmla="*/ 507206 h 6886576"/>
+              <a:gd name="connsiteX16" fmla="*/ 996969 w 5511704"/>
+              <a:gd name="connsiteY16" fmla="*/ 560785 h 6886576"/>
+              <a:gd name="connsiteX17" fmla="*/ 822522 w 5511704"/>
+              <a:gd name="connsiteY17" fmla="*/ 560785 h 6886576"/>
+              <a:gd name="connsiteX18" fmla="*/ 621908 w 5511704"/>
+              <a:gd name="connsiteY18" fmla="*/ 525066 h 6886576"/>
+              <a:gd name="connsiteX19" fmla="*/ 409664 w 5511704"/>
+              <a:gd name="connsiteY19" fmla="*/ 535781 h 6886576"/>
+              <a:gd name="connsiteX20" fmla="*/ 209049 w 5511704"/>
+              <a:gd name="connsiteY20" fmla="*/ 464344 h 6886576"/>
+              <a:gd name="connsiteX21" fmla="*/ 5527 w 5511704"/>
+              <a:gd name="connsiteY21" fmla="*/ 467916 h 6886576"/>
+              <a:gd name="connsiteX22" fmla="*/ 906838 w 5511704"/>
+              <a:gd name="connsiteY22" fmla="*/ 914400 h 6886576"/>
+              <a:gd name="connsiteX23" fmla="*/ 863226 w 5511704"/>
+              <a:gd name="connsiteY23" fmla="*/ 925116 h 6886576"/>
+              <a:gd name="connsiteX24" fmla="*/ 805077 w 5511704"/>
+              <a:gd name="connsiteY24" fmla="*/ 953691 h 6886576"/>
+              <a:gd name="connsiteX25" fmla="*/ 848689 w 5511704"/>
+              <a:gd name="connsiteY25" fmla="*/ 1010841 h 6886576"/>
+              <a:gd name="connsiteX26" fmla="*/ 1084193 w 5511704"/>
+              <a:gd name="connsiteY26" fmla="*/ 1117997 h 6886576"/>
+              <a:gd name="connsiteX27" fmla="*/ 1142342 w 5511704"/>
+              <a:gd name="connsiteY27" fmla="*/ 1225153 h 6886576"/>
+              <a:gd name="connsiteX28" fmla="*/ 1069655 w 5511704"/>
+              <a:gd name="connsiteY28" fmla="*/ 1214438 h 6886576"/>
+              <a:gd name="connsiteX29" fmla="*/ 1005692 w 5511704"/>
+              <a:gd name="connsiteY29" fmla="*/ 1235869 h 6886576"/>
+              <a:gd name="connsiteX30" fmla="*/ 1031858 w 5511704"/>
+              <a:gd name="connsiteY30" fmla="*/ 1371600 h 6886576"/>
+              <a:gd name="connsiteX31" fmla="*/ 1366216 w 5511704"/>
+              <a:gd name="connsiteY31" fmla="*/ 1546622 h 6886576"/>
+              <a:gd name="connsiteX32" fmla="*/ 1395290 w 5511704"/>
+              <a:gd name="connsiteY32" fmla="*/ 1603772 h 6886576"/>
+              <a:gd name="connsiteX33" fmla="*/ 1354586 w 5511704"/>
+              <a:gd name="connsiteY33" fmla="*/ 1643063 h 6886576"/>
+              <a:gd name="connsiteX34" fmla="*/ 1247011 w 5511704"/>
+              <a:gd name="connsiteY34" fmla="*/ 1664494 h 6886576"/>
+              <a:gd name="connsiteX35" fmla="*/ 1398198 w 5511704"/>
+              <a:gd name="connsiteY35" fmla="*/ 1857375 h 6886576"/>
+              <a:gd name="connsiteX36" fmla="*/ 1453440 w 5511704"/>
+              <a:gd name="connsiteY36" fmla="*/ 1910954 h 6886576"/>
+              <a:gd name="connsiteX37" fmla="*/ 1549386 w 5511704"/>
+              <a:gd name="connsiteY37" fmla="*/ 1993106 h 6886576"/>
+              <a:gd name="connsiteX38" fmla="*/ 1549386 w 5511704"/>
+              <a:gd name="connsiteY38" fmla="*/ 2021681 h 6886576"/>
+              <a:gd name="connsiteX39" fmla="*/ 1421458 w 5511704"/>
+              <a:gd name="connsiteY39" fmla="*/ 2110978 h 6886576"/>
+              <a:gd name="connsiteX40" fmla="*/ 1188861 w 5511704"/>
+              <a:gd name="connsiteY40" fmla="*/ 2085976 h 6886576"/>
+              <a:gd name="connsiteX41" fmla="*/ 1531941 w 5511704"/>
+              <a:gd name="connsiteY41" fmla="*/ 2218135 h 6886576"/>
+              <a:gd name="connsiteX42" fmla="*/ 421293 w 5511704"/>
+              <a:gd name="connsiteY42" fmla="*/ 1900238 h 6886576"/>
+              <a:gd name="connsiteX43" fmla="*/ 491072 w 5511704"/>
+              <a:gd name="connsiteY43" fmla="*/ 1982391 h 6886576"/>
+              <a:gd name="connsiteX44" fmla="*/ 880671 w 5511704"/>
+              <a:gd name="connsiteY44" fmla="*/ 2200276 h 6886576"/>
+              <a:gd name="connsiteX45" fmla="*/ 991154 w 5511704"/>
+              <a:gd name="connsiteY45" fmla="*/ 2336007 h 6886576"/>
+              <a:gd name="connsiteX46" fmla="*/ 1107453 w 5511704"/>
+              <a:gd name="connsiteY46" fmla="*/ 2411016 h 6886576"/>
+              <a:gd name="connsiteX47" fmla="*/ 1270270 w 5511704"/>
+              <a:gd name="connsiteY47" fmla="*/ 2411016 h 6886576"/>
+              <a:gd name="connsiteX48" fmla="*/ 1386568 w 5511704"/>
+              <a:gd name="connsiteY48" fmla="*/ 2528889 h 6886576"/>
+              <a:gd name="connsiteX49" fmla="*/ 1267362 w 5511704"/>
+              <a:gd name="connsiteY49" fmla="*/ 2553891 h 6886576"/>
+              <a:gd name="connsiteX50" fmla="*/ 1127805 w 5511704"/>
+              <a:gd name="connsiteY50" fmla="*/ 2536032 h 6886576"/>
+              <a:gd name="connsiteX51" fmla="*/ 970802 w 5511704"/>
+              <a:gd name="connsiteY51" fmla="*/ 2575322 h 6886576"/>
+              <a:gd name="connsiteX52" fmla="*/ 825429 w 5511704"/>
+              <a:gd name="connsiteY52" fmla="*/ 2543176 h 6886576"/>
+              <a:gd name="connsiteX53" fmla="*/ 650982 w 5511704"/>
+              <a:gd name="connsiteY53" fmla="*/ 2564607 h 6886576"/>
+              <a:gd name="connsiteX54" fmla="*/ 595740 w 5511704"/>
+              <a:gd name="connsiteY54" fmla="*/ 2703909 h 6886576"/>
+              <a:gd name="connsiteX55" fmla="*/ 578296 w 5511704"/>
+              <a:gd name="connsiteY55" fmla="*/ 2714626 h 6886576"/>
+              <a:gd name="connsiteX56" fmla="*/ 255568 w 5511704"/>
+              <a:gd name="connsiteY56" fmla="*/ 2936081 h 6886576"/>
+              <a:gd name="connsiteX57" fmla="*/ 165437 w 5511704"/>
+              <a:gd name="connsiteY57" fmla="*/ 2953941 h 6886576"/>
+              <a:gd name="connsiteX58" fmla="*/ 697501 w 5511704"/>
+              <a:gd name="connsiteY58" fmla="*/ 3343275 h 6886576"/>
+              <a:gd name="connsiteX59" fmla="*/ 339884 w 5511704"/>
+              <a:gd name="connsiteY59" fmla="*/ 3243263 h 6886576"/>
+              <a:gd name="connsiteX60" fmla="*/ 290458 w 5511704"/>
+              <a:gd name="connsiteY60" fmla="*/ 3407569 h 6886576"/>
+              <a:gd name="connsiteX61" fmla="*/ 459090 w 5511704"/>
+              <a:gd name="connsiteY61" fmla="*/ 3554016 h 6886576"/>
+              <a:gd name="connsiteX62" fmla="*/ 520147 w 5511704"/>
+              <a:gd name="connsiteY62" fmla="*/ 3843338 h 6886576"/>
+              <a:gd name="connsiteX63" fmla="*/ 491072 w 5511704"/>
+              <a:gd name="connsiteY63" fmla="*/ 4107657 h 6886576"/>
+              <a:gd name="connsiteX64" fmla="*/ 418386 w 5511704"/>
+              <a:gd name="connsiteY64" fmla="*/ 4189810 h 6886576"/>
+              <a:gd name="connsiteX65" fmla="*/ 313718 w 5511704"/>
+              <a:gd name="connsiteY65" fmla="*/ 4339829 h 6886576"/>
+              <a:gd name="connsiteX66" fmla="*/ 249753 w 5511704"/>
+              <a:gd name="connsiteY66" fmla="*/ 4432698 h 6886576"/>
+              <a:gd name="connsiteX67" fmla="*/ 25879 w 5511704"/>
+              <a:gd name="connsiteY67" fmla="*/ 4396979 h 6886576"/>
+              <a:gd name="connsiteX68" fmla="*/ 325347 w 5511704"/>
+              <a:gd name="connsiteY68" fmla="*/ 4632722 h 6886576"/>
+              <a:gd name="connsiteX69" fmla="*/ 84029 w 5511704"/>
+              <a:gd name="connsiteY69" fmla="*/ 4604147 h 6886576"/>
+              <a:gd name="connsiteX70" fmla="*/ 5527 w 5511704"/>
+              <a:gd name="connsiteY70" fmla="*/ 4622007 h 6886576"/>
+              <a:gd name="connsiteX71" fmla="*/ 49139 w 5511704"/>
+              <a:gd name="connsiteY71" fmla="*/ 4697016 h 6886576"/>
+              <a:gd name="connsiteX72" fmla="*/ 226494 w 5511704"/>
+              <a:gd name="connsiteY72" fmla="*/ 4825604 h 6886576"/>
+              <a:gd name="connsiteX73" fmla="*/ 592833 w 5511704"/>
+              <a:gd name="connsiteY73" fmla="*/ 5175647 h 6886576"/>
+              <a:gd name="connsiteX74" fmla="*/ 238123 w 5511704"/>
+              <a:gd name="connsiteY74" fmla="*/ 5014913 h 6886576"/>
+              <a:gd name="connsiteX75" fmla="*/ 610278 w 5511704"/>
+              <a:gd name="connsiteY75" fmla="*/ 5375673 h 6886576"/>
+              <a:gd name="connsiteX76" fmla="*/ 691686 w 5511704"/>
+              <a:gd name="connsiteY76" fmla="*/ 5497116 h 6886576"/>
+              <a:gd name="connsiteX77" fmla="*/ 860319 w 5511704"/>
+              <a:gd name="connsiteY77" fmla="*/ 5793582 h 6886576"/>
+              <a:gd name="connsiteX78" fmla="*/ 851597 w 5511704"/>
+              <a:gd name="connsiteY78" fmla="*/ 5825729 h 6886576"/>
+              <a:gd name="connsiteX79" fmla="*/ 659704 w 5511704"/>
+              <a:gd name="connsiteY79" fmla="*/ 5779295 h 6886576"/>
+              <a:gd name="connsiteX80" fmla="*/ 909746 w 5511704"/>
+              <a:gd name="connsiteY80" fmla="*/ 6029326 h 6886576"/>
+              <a:gd name="connsiteX81" fmla="*/ 1168509 w 5511704"/>
+              <a:gd name="connsiteY81" fmla="*/ 6222207 h 6886576"/>
+              <a:gd name="connsiteX82" fmla="*/ 985339 w 5511704"/>
+              <a:gd name="connsiteY82" fmla="*/ 6193632 h 6886576"/>
+              <a:gd name="connsiteX83" fmla="*/ 732391 w 5511704"/>
+              <a:gd name="connsiteY83" fmla="*/ 6082904 h 6886576"/>
+              <a:gd name="connsiteX84" fmla="*/ 645167 w 5511704"/>
+              <a:gd name="connsiteY84" fmla="*/ 6125766 h 6886576"/>
+              <a:gd name="connsiteX85" fmla="*/ 883579 w 5511704"/>
+              <a:gd name="connsiteY85" fmla="*/ 6307932 h 6886576"/>
+              <a:gd name="connsiteX86" fmla="*/ 1020229 w 5511704"/>
+              <a:gd name="connsiteY86" fmla="*/ 6393657 h 6886576"/>
+              <a:gd name="connsiteX87" fmla="*/ 1075471 w 5511704"/>
+              <a:gd name="connsiteY87" fmla="*/ 6457950 h 6886576"/>
+              <a:gd name="connsiteX88" fmla="*/ 1232473 w 5511704"/>
+              <a:gd name="connsiteY88" fmla="*/ 6686551 h 6886576"/>
+              <a:gd name="connsiteX89" fmla="*/ 1592997 w 5511704"/>
+              <a:gd name="connsiteY89" fmla="*/ 6886576 h 6886576"/>
+              <a:gd name="connsiteX90" fmla="*/ 5511704 w 5511704"/>
+              <a:gd name="connsiteY90" fmla="*/ 6886576 h 6886576"/>
+            </a:gdLst>
+            <a:ahLst/>
+            <a:cxnLst>
+              <a:cxn ang="0">
+                <a:pos x="connsiteX0" y="connsiteY0"/>
+              </a:cxn>
+              <a:cxn ang="0">
+                <a:pos x="connsiteX1" y="connsiteY1"/>
+              </a:cxn>
+              <a:cxn ang="0">
+                <a:pos x="connsiteX2" y="connsiteY2"/>
+              </a:cxn>
+              <a:cxn ang="0">
+                <a:pos x="connsiteX3" y="connsiteY3"/>
+              </a:cxn>
+              <a:cxn ang="0">
+                <a:pos x="connsiteX4" y="connsiteY4"/>
+              </a:cxn>
+              <a:cxn ang="0">
+                <a:pos x="connsiteX5" y="connsiteY5"/>
+              </a:cxn>
+              <a:cxn ang="0">
+                <a:pos x="connsiteX6" y="connsiteY6"/>
+              </a:cxn>
+              <a:cxn ang="0">
+                <a:pos x="connsiteX7" y="connsiteY7"/>
+              </a:cxn>
+              <a:cxn ang="0">
+                <a:pos x="connsiteX8" y="connsiteY8"/>
+              </a:cxn>
+              <a:cxn ang="0">
+                <a:pos x="connsiteX9" y="connsiteY9"/>
+              </a:cxn>
+              <a:cxn ang="0">
+                <a:pos x="connsiteX10" y="connsiteY10"/>
+              </a:cxn>
+              <a:cxn ang="0">
+                <a:pos x="connsiteX11" y="connsiteY11"/>
+              </a:cxn>
+              <a:cxn ang="0">
+                <a:pos x="connsiteX12" y="connsiteY12"/>
+              </a:cxn>
+              <a:cxn ang="0">
+                <a:pos x="connsiteX13" y="connsiteY13"/>
+              </a:cxn>
+              <a:cxn ang="0">
+                <a:pos x="connsiteX14" y="connsiteY14"/>
+              </a:cxn>
+              <a:cxn ang="0">
+                <a:pos x="connsiteX15" y="connsiteY15"/>
+              </a:cxn>
+              <a:cxn ang="0">
+                <a:pos x="connsiteX16" y="connsiteY16"/>
+              </a:cxn>
+              <a:cxn ang="0">
+                <a:pos x="connsiteX17" y="connsiteY17"/>
+              </a:cxn>
+              <a:cxn ang="0">
+                <a:pos x="connsiteX18" y="connsiteY18"/>
+              </a:cxn>
+              <a:cxn ang="0">
+                <a:pos x="connsiteX19" y="connsiteY19"/>
+              </a:cxn>
+              <a:cxn ang="0">
+                <a:pos x="connsiteX20" y="connsiteY20"/>
+              </a:cxn>
+              <a:cxn ang="0">
+                <a:pos x="connsiteX21" y="connsiteY21"/>
+              </a:cxn>
+              <a:cxn ang="0">
+                <a:pos x="connsiteX22" y="connsiteY22"/>
+              </a:cxn>
+              <a:cxn ang="0">
+                <a:pos x="connsiteX23" y="connsiteY23"/>
+              </a:cxn>
+              <a:cxn ang="0">
+                <a:pos x="connsiteX24" y="connsiteY24"/>
+              </a:cxn>
+              <a:cxn ang="0">
+                <a:pos x="connsiteX25" y="connsiteY25"/>
+              </a:cxn>
+              <a:cxn ang="0">
+                <a:pos x="connsiteX26" y="connsiteY26"/>
+              </a:cxn>
+              <a:cxn ang="0">
+                <a:pos x="connsiteX27" y="connsiteY27"/>
+              </a:cxn>
+              <a:cxn ang="0">
+                <a:pos x="connsiteX28" y="connsiteY28"/>
+              </a:cxn>
+              <a:cxn ang="0">
+                <a:pos x="connsiteX29" y="connsiteY29"/>
+              </a:cxn>
+              <a:cxn ang="0">
+                <a:pos x="connsiteX30" y="connsiteY30"/>
+              </a:cxn>
+              <a:cxn ang="0">
+                <a:pos x="connsiteX31" y="connsiteY31"/>
+              </a:cxn>
+              <a:cxn ang="0">
+                <a:pos x="connsiteX32" y="connsiteY32"/>
+              </a:cxn>
+              <a:cxn ang="0">
+                <a:pos x="connsiteX33" y="connsiteY33"/>
+              </a:cxn>
+              <a:cxn ang="0">
+                <a:pos x="connsiteX34" y="connsiteY34"/>
+              </a:cxn>
+              <a:cxn ang="0">
+                <a:pos x="connsiteX35" y="connsiteY35"/>
+              </a:cxn>
+              <a:cxn ang="0">
+                <a:pos x="connsiteX36" y="connsiteY36"/>
+              </a:cxn>
+              <a:cxn ang="0">
+                <a:pos x="connsiteX37" y="connsiteY37"/>
+              </a:cxn>
+              <a:cxn ang="0">
+                <a:pos x="connsiteX38" y="connsiteY38"/>
+              </a:cxn>
+              <a:cxn ang="0">
+                <a:pos x="connsiteX39" y="connsiteY39"/>
+              </a:cxn>
+              <a:cxn ang="0">
+                <a:pos x="connsiteX40" y="connsiteY40"/>
+              </a:cxn>
+              <a:cxn ang="0">
+                <a:pos x="connsiteX41" y="connsiteY41"/>
+              </a:cxn>
+              <a:cxn ang="0">
+                <a:pos x="connsiteX42" y="connsiteY42"/>
+              </a:cxn>
+              <a:cxn ang="0">
+                <a:pos x="connsiteX43" y="connsiteY43"/>
+              </a:cxn>
+              <a:cxn ang="0">
+                <a:pos x="connsiteX44" y="connsiteY44"/>
+              </a:cxn>
+              <a:cxn ang="0">
+                <a:pos x="connsiteX45" y="connsiteY45"/>
+              </a:cxn>
+              <a:cxn ang="0">
+                <a:pos x="connsiteX46" y="connsiteY46"/>
+              </a:cxn>
+              <a:cxn ang="0">
+                <a:pos x="connsiteX47" y="connsiteY47"/>
+              </a:cxn>
+              <a:cxn ang="0">
+                <a:pos x="connsiteX48" y="connsiteY48"/>
+              </a:cxn>
+              <a:cxn ang="0">
+                <a:pos x="connsiteX49" y="connsiteY49"/>
+              </a:cxn>
+              <a:cxn ang="0">
+                <a:pos x="connsiteX50" y="connsiteY50"/>
+              </a:cxn>
+              <a:cxn ang="0">
+                <a:pos x="connsiteX51" y="connsiteY51"/>
+              </a:cxn>
+              <a:cxn ang="0">
+                <a:pos x="connsiteX52" y="connsiteY52"/>
+              </a:cxn>
+              <a:cxn ang="0">
+                <a:pos x="connsiteX53" y="connsiteY53"/>
+              </a:cxn>
+              <a:cxn ang="0">
+                <a:pos x="connsiteX54" y="connsiteY54"/>
+              </a:cxn>
+              <a:cxn ang="0">
+                <a:pos x="connsiteX55" y="connsiteY55"/>
+              </a:cxn>
+              <a:cxn ang="0">
+                <a:pos x="connsiteX56" y="connsiteY56"/>
+              </a:cxn>
+              <a:cxn ang="0">
+                <a:pos x="connsiteX57" y="connsiteY57"/>
+              </a:cxn>
+              <a:cxn ang="0">
+                <a:pos x="connsiteX58" y="connsiteY58"/>
+              </a:cxn>
+              <a:cxn ang="0">
+                <a:pos x="connsiteX59" y="connsiteY59"/>
+              </a:cxn>
+              <a:cxn ang="0">
+                <a:pos x="connsiteX60" y="connsiteY60"/>
+              </a:cxn>
+              <a:cxn ang="0">
+                <a:pos x="connsiteX61" y="connsiteY61"/>
+              </a:cxn>
+              <a:cxn ang="0">
+                <a:pos x="connsiteX62" y="connsiteY62"/>
+              </a:cxn>
+              <a:cxn ang="0">
+                <a:pos x="connsiteX63" y="connsiteY63"/>
+              </a:cxn>
+              <a:cxn ang="0">
+                <a:pos x="connsiteX64" y="connsiteY64"/>
+              </a:cxn>
+              <a:cxn ang="0">
+                <a:pos x="connsiteX65" y="connsiteY65"/>
+              </a:cxn>
+              <a:cxn ang="0">
+                <a:pos x="connsiteX66" y="connsiteY66"/>
+              </a:cxn>
+              <a:cxn ang="0">
+                <a:pos x="connsiteX67" y="connsiteY67"/>
+              </a:cxn>
+              <a:cxn ang="0">
+                <a:pos x="connsiteX68" y="connsiteY68"/>
+              </a:cxn>
+              <a:cxn ang="0">
+                <a:pos x="connsiteX69" y="connsiteY69"/>
+              </a:cxn>
+              <a:cxn ang="0">
+                <a:pos x="connsiteX70" y="connsiteY70"/>
+              </a:cxn>
+              <a:cxn ang="0">
+                <a:pos x="connsiteX71" y="connsiteY71"/>
+              </a:cxn>
+              <a:cxn ang="0">
+                <a:pos x="connsiteX72" y="connsiteY72"/>
+              </a:cxn>
+              <a:cxn ang="0">
+                <a:pos x="connsiteX73" y="connsiteY73"/>
+              </a:cxn>
+              <a:cxn ang="0">
+                <a:pos x="connsiteX74" y="connsiteY74"/>
+              </a:cxn>
+              <a:cxn ang="0">
+                <a:pos x="connsiteX75" y="connsiteY75"/>
+              </a:cxn>
+              <a:cxn ang="0">
+                <a:pos x="connsiteX76" y="connsiteY76"/>
+              </a:cxn>
+              <a:cxn ang="0">
+                <a:pos x="connsiteX77" y="connsiteY77"/>
+              </a:cxn>
+              <a:cxn ang="0">
+                <a:pos x="connsiteX78" y="connsiteY78"/>
+              </a:cxn>
+              <a:cxn ang="0">
+                <a:pos x="connsiteX79" y="connsiteY79"/>
+              </a:cxn>
+              <a:cxn ang="0">
+                <a:pos x="connsiteX80" y="connsiteY80"/>
+              </a:cxn>
+              <a:cxn ang="0">
+                <a:pos x="connsiteX81" y="connsiteY81"/>
+              </a:cxn>
+              <a:cxn ang="0">
+                <a:pos x="connsiteX82" y="connsiteY82"/>
+              </a:cxn>
+              <a:cxn ang="0">
+                <a:pos x="connsiteX83" y="connsiteY83"/>
+              </a:cxn>
+              <a:cxn ang="0">
+                <a:pos x="connsiteX84" y="connsiteY84"/>
+              </a:cxn>
+              <a:cxn ang="0">
+                <a:pos x="connsiteX85" y="connsiteY85"/>
+              </a:cxn>
+              <a:cxn ang="0">
+                <a:pos x="connsiteX86" y="connsiteY86"/>
+              </a:cxn>
+              <a:cxn ang="0">
+                <a:pos x="connsiteX87" y="connsiteY87"/>
+              </a:cxn>
+              <a:cxn ang="0">
+                <a:pos x="connsiteX88" y="connsiteY88"/>
+              </a:cxn>
+              <a:cxn ang="0">
+                <a:pos x="connsiteX89" y="connsiteY89"/>
+              </a:cxn>
+              <a:cxn ang="0">
+                <a:pos x="connsiteX90" y="connsiteY90"/>
+              </a:cxn>
+            </a:cxnLst>
+            <a:rect l="l" t="t" r="r" b="b"/>
+            <a:pathLst>
+              <a:path w="5511704" h="6886576">
+                <a:moveTo>
+                  <a:pt x="5511704" y="0"/>
+                </a:moveTo>
+                <a:lnTo>
+                  <a:pt x="1008599" y="0"/>
+                </a:lnTo>
+                <a:cubicBezTo>
+                  <a:pt x="1110360" y="35719"/>
+                  <a:pt x="1209214" y="78581"/>
+                  <a:pt x="1310975" y="110728"/>
+                </a:cubicBezTo>
+                <a:cubicBezTo>
+                  <a:pt x="1296437" y="146447"/>
+                  <a:pt x="1281900" y="139303"/>
+                  <a:pt x="1267362" y="135731"/>
+                </a:cubicBezTo>
+                <a:cubicBezTo>
+                  <a:pt x="1180139" y="121445"/>
+                  <a:pt x="1090008" y="110728"/>
+                  <a:pt x="1005692" y="71437"/>
+                </a:cubicBezTo>
+                <a:cubicBezTo>
+                  <a:pt x="985339" y="64294"/>
+                  <a:pt x="962080" y="64294"/>
+                  <a:pt x="953358" y="89297"/>
+                </a:cubicBezTo>
+                <a:cubicBezTo>
+                  <a:pt x="938820" y="125016"/>
+                  <a:pt x="959172" y="146447"/>
+                  <a:pt x="979525" y="164307"/>
+                </a:cubicBezTo>
+                <a:cubicBezTo>
+                  <a:pt x="1014414" y="196453"/>
+                  <a:pt x="1055118" y="189310"/>
+                  <a:pt x="1092915" y="192882"/>
+                </a:cubicBezTo>
+                <a:cubicBezTo>
+                  <a:pt x="1197583" y="210741"/>
+                  <a:pt x="1247011" y="260747"/>
+                  <a:pt x="1270270" y="375047"/>
+                </a:cubicBezTo>
+                <a:cubicBezTo>
+                  <a:pt x="1180139" y="328613"/>
+                  <a:pt x="1090008" y="385763"/>
+                  <a:pt x="1002784" y="353615"/>
+                </a:cubicBezTo>
+                <a:cubicBezTo>
+                  <a:pt x="979525" y="346472"/>
+                  <a:pt x="944635" y="357188"/>
+                  <a:pt x="956265" y="396479"/>
+                </a:cubicBezTo>
+                <a:cubicBezTo>
+                  <a:pt x="967894" y="432198"/>
+                  <a:pt x="1005692" y="460772"/>
+                  <a:pt x="938820" y="453629"/>
+                </a:cubicBezTo>
+                <a:cubicBezTo>
+                  <a:pt x="889393" y="450056"/>
+                  <a:pt x="874856" y="407194"/>
+                  <a:pt x="860319" y="360759"/>
+                </a:cubicBezTo>
+                <a:cubicBezTo>
+                  <a:pt x="848689" y="335757"/>
+                  <a:pt x="816707" y="321469"/>
+                  <a:pt x="793447" y="335757"/>
+                </a:cubicBezTo>
+                <a:cubicBezTo>
+                  <a:pt x="764373" y="350044"/>
+                  <a:pt x="773095" y="389335"/>
+                  <a:pt x="773095" y="417910"/>
+                </a:cubicBezTo>
+                <a:cubicBezTo>
+                  <a:pt x="770187" y="471488"/>
+                  <a:pt x="793447" y="496491"/>
+                  <a:pt x="834151" y="507206"/>
+                </a:cubicBezTo>
+                <a:cubicBezTo>
+                  <a:pt x="883579" y="521494"/>
+                  <a:pt x="933005" y="539354"/>
+                  <a:pt x="996969" y="560785"/>
+                </a:cubicBezTo>
+                <a:cubicBezTo>
+                  <a:pt x="927190" y="596503"/>
+                  <a:pt x="874856" y="589360"/>
+                  <a:pt x="822522" y="560785"/>
+                </a:cubicBezTo>
+                <a:cubicBezTo>
+                  <a:pt x="758558" y="528637"/>
+                  <a:pt x="674242" y="485775"/>
+                  <a:pt x="621908" y="525066"/>
+                </a:cubicBezTo>
+                <a:cubicBezTo>
+                  <a:pt x="543407" y="582216"/>
+                  <a:pt x="479443" y="546497"/>
+                  <a:pt x="409664" y="535781"/>
+                </a:cubicBezTo>
+                <a:cubicBezTo>
+                  <a:pt x="264290" y="514350"/>
+                  <a:pt x="354422" y="482204"/>
+                  <a:pt x="209049" y="464344"/>
+                </a:cubicBezTo>
+                <a:cubicBezTo>
+                  <a:pt x="150900" y="457200"/>
+                  <a:pt x="89843" y="428625"/>
+                  <a:pt x="5527" y="467916"/>
+                </a:cubicBezTo>
+                <a:cubicBezTo>
+                  <a:pt x="386404" y="675085"/>
+                  <a:pt x="566666" y="660797"/>
+                  <a:pt x="906838" y="914400"/>
+                </a:cubicBezTo>
+                <a:cubicBezTo>
+                  <a:pt x="892301" y="939404"/>
+                  <a:pt x="877764" y="928688"/>
+                  <a:pt x="863226" y="925116"/>
+                </a:cubicBezTo>
+                <a:cubicBezTo>
+                  <a:pt x="839967" y="921544"/>
+                  <a:pt x="810892" y="907256"/>
+                  <a:pt x="805077" y="953691"/>
+                </a:cubicBezTo>
+                <a:cubicBezTo>
+                  <a:pt x="802169" y="989410"/>
+                  <a:pt x="819615" y="1007269"/>
+                  <a:pt x="848689" y="1010841"/>
+                </a:cubicBezTo>
+                <a:cubicBezTo>
+                  <a:pt x="933005" y="1025129"/>
+                  <a:pt x="1008599" y="1075135"/>
+                  <a:pt x="1084193" y="1117997"/>
+                </a:cubicBezTo>
+                <a:cubicBezTo>
+                  <a:pt x="1119082" y="1135857"/>
+                  <a:pt x="1156879" y="1160860"/>
+                  <a:pt x="1142342" y="1225153"/>
+                </a:cubicBezTo>
+                <a:cubicBezTo>
+                  <a:pt x="1113268" y="1243013"/>
+                  <a:pt x="1092915" y="1218009"/>
+                  <a:pt x="1069655" y="1214438"/>
+                </a:cubicBezTo>
+                <a:cubicBezTo>
+                  <a:pt x="1046396" y="1210866"/>
+                  <a:pt x="991154" y="1225153"/>
+                  <a:pt x="1005692" y="1235869"/>
+                </a:cubicBezTo>
+                <a:cubicBezTo>
+                  <a:pt x="1072563" y="1275159"/>
+                  <a:pt x="950450" y="1371600"/>
+                  <a:pt x="1031858" y="1371600"/>
+                </a:cubicBezTo>
+                <a:cubicBezTo>
+                  <a:pt x="1165601" y="1371600"/>
+                  <a:pt x="1238288" y="1543050"/>
+                  <a:pt x="1366216" y="1546622"/>
+                </a:cubicBezTo>
+                <a:cubicBezTo>
+                  <a:pt x="1386568" y="1546622"/>
+                  <a:pt x="1395290" y="1578770"/>
+                  <a:pt x="1395290" y="1603772"/>
+                </a:cubicBezTo>
+                <a:cubicBezTo>
+                  <a:pt x="1395290" y="1635920"/>
+                  <a:pt x="1374939" y="1639491"/>
+                  <a:pt x="1354586" y="1643063"/>
+                </a:cubicBezTo>
+                <a:cubicBezTo>
+                  <a:pt x="1322604" y="1646635"/>
+                  <a:pt x="1287715" y="1603772"/>
+                  <a:pt x="1247011" y="1664494"/>
+                </a:cubicBezTo>
+                <a:cubicBezTo>
+                  <a:pt x="1322604" y="1700213"/>
+                  <a:pt x="1401105" y="1735932"/>
+                  <a:pt x="1398198" y="1857375"/>
+                </a:cubicBezTo>
+                <a:cubicBezTo>
+                  <a:pt x="1398198" y="1889523"/>
+                  <a:pt x="1430180" y="1903810"/>
+                  <a:pt x="1453440" y="1910954"/>
+                </a:cubicBezTo>
+                <a:cubicBezTo>
+                  <a:pt x="1494144" y="1925241"/>
+                  <a:pt x="1526126" y="1946673"/>
+                  <a:pt x="1549386" y="1993106"/>
+                </a:cubicBezTo>
+                <a:cubicBezTo>
+                  <a:pt x="1549386" y="2003822"/>
+                  <a:pt x="1549386" y="2010966"/>
+                  <a:pt x="1549386" y="2021681"/>
+                </a:cubicBezTo>
+                <a:cubicBezTo>
+                  <a:pt x="1543571" y="2132410"/>
+                  <a:pt x="1485422" y="2128838"/>
+                  <a:pt x="1421458" y="2110978"/>
+                </a:cubicBezTo>
+                <a:cubicBezTo>
+                  <a:pt x="1345864" y="2089547"/>
+                  <a:pt x="1270270" y="2046685"/>
+                  <a:pt x="1188861" y="2085976"/>
+                </a:cubicBezTo>
+                <a:cubicBezTo>
+                  <a:pt x="1302252" y="2139554"/>
+                  <a:pt x="1427272" y="2143126"/>
+                  <a:pt x="1531941" y="2218135"/>
+                </a:cubicBezTo>
+                <a:cubicBezTo>
+                  <a:pt x="1142342" y="2232422"/>
+                  <a:pt x="799262" y="1993106"/>
+                  <a:pt x="421293" y="1900238"/>
+                </a:cubicBezTo>
+                <a:cubicBezTo>
+                  <a:pt x="432923" y="1960960"/>
+                  <a:pt x="464905" y="1975247"/>
+                  <a:pt x="491072" y="1982391"/>
+                </a:cubicBezTo>
+                <a:cubicBezTo>
+                  <a:pt x="630630" y="2028825"/>
+                  <a:pt x="752743" y="2121695"/>
+                  <a:pt x="880671" y="2200276"/>
+                </a:cubicBezTo>
+                <a:cubicBezTo>
+                  <a:pt x="933005" y="2232422"/>
+                  <a:pt x="970802" y="2268142"/>
+                  <a:pt x="991154" y="2336007"/>
+                </a:cubicBezTo>
+                <a:cubicBezTo>
+                  <a:pt x="1008599" y="2400300"/>
+                  <a:pt x="1043489" y="2428875"/>
+                  <a:pt x="1107453" y="2411016"/>
+                </a:cubicBezTo>
+                <a:cubicBezTo>
+                  <a:pt x="1159787" y="2396729"/>
+                  <a:pt x="1215029" y="2403873"/>
+                  <a:pt x="1270270" y="2411016"/>
+                </a:cubicBezTo>
+                <a:cubicBezTo>
+                  <a:pt x="1331326" y="2418160"/>
+                  <a:pt x="1401105" y="2489597"/>
+                  <a:pt x="1386568" y="2528889"/>
+                </a:cubicBezTo>
+                <a:cubicBezTo>
+                  <a:pt x="1357494" y="2593182"/>
+                  <a:pt x="1308067" y="2561035"/>
+                  <a:pt x="1267362" y="2553891"/>
+                </a:cubicBezTo>
+                <a:cubicBezTo>
+                  <a:pt x="1217936" y="2546748"/>
+                  <a:pt x="1127805" y="2528889"/>
+                  <a:pt x="1127805" y="2536032"/>
+                </a:cubicBezTo>
+                <a:cubicBezTo>
+                  <a:pt x="1095822" y="2696766"/>
+                  <a:pt x="1023136" y="2575322"/>
+                  <a:pt x="970802" y="2575322"/>
+                </a:cubicBezTo>
+                <a:cubicBezTo>
+                  <a:pt x="921375" y="2575322"/>
+                  <a:pt x="871949" y="2557463"/>
+                  <a:pt x="825429" y="2543176"/>
+                </a:cubicBezTo>
+                <a:cubicBezTo>
+                  <a:pt x="764373" y="2525316"/>
+                  <a:pt x="709132" y="2557463"/>
+                  <a:pt x="650982" y="2564607"/>
+                </a:cubicBezTo>
+                <a:cubicBezTo>
+                  <a:pt x="598648" y="2571751"/>
+                  <a:pt x="627722" y="2664620"/>
+                  <a:pt x="595740" y="2703909"/>
+                </a:cubicBezTo>
+                <a:cubicBezTo>
+                  <a:pt x="589926" y="2714626"/>
+                  <a:pt x="584111" y="2714626"/>
+                  <a:pt x="578296" y="2714626"/>
+                </a:cubicBezTo>
+                <a:cubicBezTo>
+                  <a:pt x="560851" y="2993232"/>
+                  <a:pt x="255568" y="2925366"/>
+                  <a:pt x="255568" y="2936081"/>
+                </a:cubicBezTo>
+                <a:cubicBezTo>
+                  <a:pt x="229401" y="2953941"/>
+                  <a:pt x="197419" y="2911079"/>
+                  <a:pt x="165437" y="2953941"/>
+                </a:cubicBezTo>
+                <a:cubicBezTo>
+                  <a:pt x="302087" y="3150394"/>
+                  <a:pt x="511425" y="3196828"/>
+                  <a:pt x="697501" y="3343275"/>
+                </a:cubicBezTo>
+                <a:cubicBezTo>
+                  <a:pt x="543407" y="3393282"/>
+                  <a:pt x="453275" y="3221832"/>
+                  <a:pt x="339884" y="3243263"/>
+                </a:cubicBezTo>
+                <a:cubicBezTo>
+                  <a:pt x="284643" y="3296842"/>
+                  <a:pt x="450368" y="3382566"/>
+                  <a:pt x="290458" y="3407569"/>
+                </a:cubicBezTo>
+                <a:cubicBezTo>
+                  <a:pt x="360236" y="3454004"/>
+                  <a:pt x="409664" y="3500439"/>
+                  <a:pt x="459090" y="3554016"/>
+                </a:cubicBezTo>
+                <a:cubicBezTo>
+                  <a:pt x="543407" y="3650457"/>
+                  <a:pt x="560851" y="3714751"/>
+                  <a:pt x="520147" y="3843338"/>
+                </a:cubicBezTo>
+                <a:cubicBezTo>
+                  <a:pt x="493979" y="3929063"/>
+                  <a:pt x="456183" y="4007645"/>
+                  <a:pt x="491072" y="4107657"/>
+                </a:cubicBezTo>
+                <a:cubicBezTo>
+                  <a:pt x="514332" y="4175522"/>
+                  <a:pt x="505609" y="4221957"/>
+                  <a:pt x="418386" y="4189810"/>
+                </a:cubicBezTo>
+                <a:cubicBezTo>
+                  <a:pt x="325347" y="4157663"/>
+                  <a:pt x="290458" y="4218386"/>
+                  <a:pt x="313718" y="4339829"/>
+                </a:cubicBezTo>
+                <a:cubicBezTo>
+                  <a:pt x="328254" y="4418410"/>
+                  <a:pt x="313718" y="4443413"/>
+                  <a:pt x="249753" y="4432698"/>
+                </a:cubicBezTo>
+                <a:cubicBezTo>
+                  <a:pt x="179975" y="4421982"/>
+                  <a:pt x="113103" y="4371976"/>
+                  <a:pt x="25879" y="4396979"/>
+                </a:cubicBezTo>
+                <a:cubicBezTo>
+                  <a:pt x="95658" y="4539854"/>
+                  <a:pt x="243939" y="4496991"/>
+                  <a:pt x="325347" y="4632722"/>
+                </a:cubicBezTo>
+                <a:cubicBezTo>
+                  <a:pt x="229401" y="4632722"/>
+                  <a:pt x="153807" y="4632722"/>
+                  <a:pt x="84029" y="4604147"/>
+                </a:cubicBezTo>
+                <a:cubicBezTo>
+                  <a:pt x="54954" y="4593433"/>
+                  <a:pt x="22972" y="4579145"/>
+                  <a:pt x="5527" y="4622007"/>
+                </a:cubicBezTo>
+                <a:cubicBezTo>
+                  <a:pt x="-14826" y="4672014"/>
+                  <a:pt x="25879" y="4689872"/>
+                  <a:pt x="49139" y="4697016"/>
+                </a:cubicBezTo>
+                <a:cubicBezTo>
+                  <a:pt x="116011" y="4722019"/>
+                  <a:pt x="168344" y="4779170"/>
+                  <a:pt x="226494" y="4825604"/>
+                </a:cubicBezTo>
+                <a:cubicBezTo>
+                  <a:pt x="351514" y="4925616"/>
+                  <a:pt x="488165" y="5011341"/>
+                  <a:pt x="592833" y="5175647"/>
+                </a:cubicBezTo>
+                <a:cubicBezTo>
+                  <a:pt x="461997" y="5132785"/>
+                  <a:pt x="363144" y="5032772"/>
+                  <a:pt x="238123" y="5014913"/>
+                </a:cubicBezTo>
+                <a:cubicBezTo>
+                  <a:pt x="345700" y="5164932"/>
+                  <a:pt x="482350" y="5264944"/>
+                  <a:pt x="610278" y="5375673"/>
+                </a:cubicBezTo>
+                <a:cubicBezTo>
+                  <a:pt x="648075" y="5407819"/>
+                  <a:pt x="685872" y="5429250"/>
+                  <a:pt x="691686" y="5497116"/>
+                </a:cubicBezTo>
+                <a:cubicBezTo>
+                  <a:pt x="709132" y="5629276"/>
+                  <a:pt x="755650" y="5736432"/>
+                  <a:pt x="860319" y="5793582"/>
+                </a:cubicBezTo>
+                <a:cubicBezTo>
+                  <a:pt x="860319" y="5793582"/>
+                  <a:pt x="854504" y="5815013"/>
+                  <a:pt x="851597" y="5825729"/>
+                </a:cubicBezTo>
+                <a:cubicBezTo>
+                  <a:pt x="787632" y="5829301"/>
+                  <a:pt x="738206" y="5750720"/>
+                  <a:pt x="659704" y="5779295"/>
+                </a:cubicBezTo>
+                <a:cubicBezTo>
+                  <a:pt x="738206" y="5886451"/>
+                  <a:pt x="802169" y="5979319"/>
+                  <a:pt x="909746" y="6029326"/>
+                </a:cubicBezTo>
+                <a:cubicBezTo>
+                  <a:pt x="996969" y="6068616"/>
+                  <a:pt x="1104545" y="6093620"/>
+                  <a:pt x="1168509" y="6222207"/>
+                </a:cubicBezTo>
+                <a:cubicBezTo>
+                  <a:pt x="1095822" y="6247210"/>
+                  <a:pt x="1040581" y="6215063"/>
+                  <a:pt x="985339" y="6193632"/>
+                </a:cubicBezTo>
+                <a:cubicBezTo>
+                  <a:pt x="901023" y="6157913"/>
+                  <a:pt x="816707" y="6118623"/>
+                  <a:pt x="732391" y="6082904"/>
+                </a:cubicBezTo>
+                <a:cubicBezTo>
+                  <a:pt x="700408" y="6068616"/>
+                  <a:pt x="665519" y="6061472"/>
+                  <a:pt x="645167" y="6125766"/>
+                </a:cubicBezTo>
+                <a:cubicBezTo>
+                  <a:pt x="752743" y="6140053"/>
+                  <a:pt x="816707" y="6225779"/>
+                  <a:pt x="883579" y="6307932"/>
+                </a:cubicBezTo>
+                <a:cubicBezTo>
+                  <a:pt x="921375" y="6354366"/>
+                  <a:pt x="953358" y="6415088"/>
+                  <a:pt x="1020229" y="6393657"/>
+                </a:cubicBezTo>
+                <a:cubicBezTo>
+                  <a:pt x="1055118" y="6382942"/>
+                  <a:pt x="1078378" y="6415088"/>
+                  <a:pt x="1075471" y="6457950"/>
+                </a:cubicBezTo>
+                <a:cubicBezTo>
+                  <a:pt x="1060933" y="6607970"/>
+                  <a:pt x="1145250" y="6657976"/>
+                  <a:pt x="1232473" y="6686551"/>
+                </a:cubicBezTo>
+                <a:cubicBezTo>
+                  <a:pt x="1360401" y="6729413"/>
+                  <a:pt x="1473792" y="6815138"/>
+                  <a:pt x="1592997" y="6886576"/>
+                </a:cubicBezTo>
+                <a:lnTo>
+                  <a:pt x="5511704" y="6886576"/>
+                </a:lnTo>
+                <a:close/>
+              </a:path>
+            </a:pathLst>
+          </a:custGeom>
+          <a:solidFill>
+            <a:schemeClr val="bg2">
+              <a:alpha val="50000"/>
+            </a:schemeClr>
+          </a:solidFill>
+          <a:ln w="32707" cap="flat">
+            <a:noFill/>
+            <a:prstDash val="solid"/>
+            <a:miter/>
+          </a:ln>
+        </p:spPr>
+        <p:txBody>
+          <a:bodyPr rtlCol="0" anchor="ctr"/>
+          <a:lstStyle/>
+          <a:p>
+            <a:endParaRPr lang="en-US" dirty="0"/>
+          </a:p>
+        </p:txBody>
+      </p:sp>
       <p:sp>
         <p:nvSpPr>
           <p:cNvPr id="3" name="TextBox 2">
@@ -20110,8 +21151,8 @@
         </p:nvSpPr>
         <p:spPr>
           <a:xfrm>
-            <a:off x="8791575" y="1238250"/>
-            <a:ext cx="3000375" cy="4381500"/>
+            <a:off x="838200" y="713312"/>
+            <a:ext cx="4038600" cy="5431376"/>
           </a:xfrm>
           <a:prstGeom prst="rect">
             <a:avLst/>
@@ -20131,21 +21172,23 @@
                 <a:spcPct val="90000"/>
               </a:lnSpc>
               <a:spcBef>
-                <a:spcPts val="1000"/>
+                <a:spcPct val="0"/>
               </a:spcBef>
+              <a:spcAft>
+                <a:spcPts val="600"/>
+              </a:spcAft>
             </a:pPr>
             <a:r>
-              <a:rPr lang="en-US" sz="2800" b="1" kern="1200">
-                <a:latin typeface="+mn-lt"/>
-                <a:ea typeface="+mn-ea"/>
-                <a:cs typeface="+mn-cs"/>
+              <a:rPr lang="en-US" sz="4400" b="1" kern="1200">
+                <a:solidFill>
+                  <a:schemeClr val="tx1"/>
+                </a:solidFill>
+                <a:latin typeface="+mj-lt"/>
+                <a:ea typeface="+mj-ea"/>
+                <a:cs typeface="+mj-cs"/>
               </a:rPr>
               <a:t>Data Layer (DAO &amp; Entity) </a:t>
             </a:r>
-            <a:endParaRPr lang="en-US" sz="2800" b="1" kern="1200">
-              <a:latin typeface="+mn-lt"/>
-              <a:cs typeface="Calibri"/>
-            </a:endParaRPr>
           </a:p>
           <a:p>
             <a:pPr>
@@ -20153,12 +21196,19 @@
                 <a:spcPct val="90000"/>
               </a:lnSpc>
               <a:spcBef>
-                <a:spcPts val="1000"/>
+                <a:spcPct val="0"/>
               </a:spcBef>
+              <a:spcAft>
+                <a:spcPts val="600"/>
+              </a:spcAft>
             </a:pPr>
-            <a:endParaRPr lang="en-US" sz="2800" b="1" kern="1200">
-              <a:latin typeface="+mn-lt"/>
-              <a:cs typeface="Calibri"/>
+            <a:endParaRPr lang="en-US" sz="4400" b="1" kern="1200">
+              <a:solidFill>
+                <a:schemeClr val="tx1"/>
+              </a:solidFill>
+              <a:latin typeface="+mj-lt"/>
+              <a:ea typeface="+mj-ea"/>
+              <a:cs typeface="+mj-cs"/>
             </a:endParaRPr>
           </a:p>
         </p:txBody>
@@ -20177,204 +21227,155 @@
         </p:nvSpPr>
         <p:spPr>
           <a:xfrm>
-            <a:off x="827314" y="856343"/>
-            <a:ext cx="7615351" cy="5447645"/>
+            <a:off x="6095999" y="821071"/>
+            <a:ext cx="5257801" cy="5431376"/>
           </a:xfrm>
           <a:prstGeom prst="rect">
             <a:avLst/>
           </a:prstGeom>
-          <a:noFill/>
         </p:spPr>
         <p:txBody>
-          <a:bodyPr rot="0" spcFirstLastPara="0" vertOverflow="overflow" horzOverflow="overflow" vert="horz" wrap="square" lIns="91440" tIns="45720" rIns="91440" bIns="45720" numCol="1" spcCol="0" rtlCol="0" fromWordArt="0" anchor="t" anchorCtr="0" forceAA="0" compatLnSpc="1">
+          <a:bodyPr rot="0" spcFirstLastPara="0" vertOverflow="overflow" horzOverflow="overflow" vert="horz" lIns="91440" tIns="45720" rIns="91440" bIns="45720" numCol="1" spcCol="0" rtlCol="0" fromWordArt="0" anchor="ctr" anchorCtr="0" forceAA="0" compatLnSpc="1">
             <a:prstTxWarp prst="textNoShape">
               <a:avLst/>
             </a:prstTxWarp>
-            <a:spAutoFit/>
+            <a:normAutofit/>
           </a:bodyPr>
           <a:lstStyle/>
           <a:p>
-            <a:pPr>
+            <a:pPr indent="-228600">
+              <a:lnSpc>
+                <a:spcPct val="90000"/>
+              </a:lnSpc>
               <a:spcAft>
                 <a:spcPts val="600"/>
               </a:spcAft>
+              <a:buFont typeface="Arial" panose="020B0604020202020204" pitchFamily="34" charset="0"/>
+              <a:buChar char="•"/>
             </a:pPr>
             <a:r>
-              <a:rPr lang="en-US" sz="2200" b="1">
-                <a:latin typeface="Calibri"/>
-                <a:cs typeface="Calibri"/>
-              </a:rPr>
+              <a:rPr lang="en-US" sz="2000" b="1"/>
               <a:t>Question Entity: </a:t>
             </a:r>
           </a:p>
           <a:p>
-            <a:pPr marL="285750" indent="-285750">
+            <a:pPr marL="285750" indent="-228600">
+              <a:lnSpc>
+                <a:spcPct val="90000"/>
+              </a:lnSpc>
               <a:spcAft>
                 <a:spcPts val="600"/>
               </a:spcAft>
-              <a:buFont typeface="Arial"/>
+              <a:buFont typeface="Arial" panose="020B0604020202020204" pitchFamily="34" charset="0"/>
               <a:buChar char="•"/>
             </a:pPr>
             <a:r>
-              <a:rPr lang="en-US" sz="2200">
-                <a:latin typeface="Calibri"/>
-                <a:cs typeface="Calibri"/>
-              </a:rPr>
+              <a:rPr lang="en-US" sz="2000"/>
               <a:t>@Entity annotation marks the Question class as a JPA entity.</a:t>
             </a:r>
           </a:p>
           <a:p>
-            <a:pPr>
+            <a:pPr indent="-228600">
+              <a:lnSpc>
+                <a:spcPct val="90000"/>
+              </a:lnSpc>
               <a:spcAft>
                 <a:spcPts val="600"/>
               </a:spcAft>
+              <a:buFont typeface="Arial" panose="020B0604020202020204" pitchFamily="34" charset="0"/>
+              <a:buChar char="•"/>
             </a:pPr>
             <a:r>
-              <a:rPr lang="en-US" sz="2200" b="1">
-                <a:latin typeface="Calibri"/>
-                <a:cs typeface="Calibri"/>
-              </a:rPr>
+              <a:rPr lang="en-US" sz="2000" b="1"/>
               <a:t>DAO Layer: </a:t>
             </a:r>
           </a:p>
           <a:p>
-            <a:pPr marL="285750" indent="-285750">
+            <a:pPr marL="285750" indent="-228600">
+              <a:lnSpc>
+                <a:spcPct val="90000"/>
+              </a:lnSpc>
               <a:spcAft>
                 <a:spcPts val="600"/>
               </a:spcAft>
-              <a:buFont typeface="Arial"/>
+              <a:buFont typeface="Arial" panose="020B0604020202020204" pitchFamily="34" charset="0"/>
               <a:buChar char="•"/>
             </a:pPr>
             <a:r>
-              <a:rPr lang="en-US" sz="2200" err="1">
-                <a:latin typeface="Calibri"/>
-                <a:cs typeface="Calibri"/>
-              </a:rPr>
-              <a:t>QuestionDao</a:t>
-            </a:r>
-            <a:r>
-              <a:rPr lang="en-US" sz="2200">
-                <a:latin typeface="Calibri"/>
-                <a:cs typeface="Calibri"/>
-              </a:rPr>
-              <a:t> extends </a:t>
-            </a:r>
-            <a:r>
-              <a:rPr lang="en-US" sz="2200" err="1">
-                <a:latin typeface="Calibri"/>
-                <a:cs typeface="Calibri"/>
-              </a:rPr>
-              <a:t>JpaRepository</a:t>
-            </a:r>
-            <a:r>
-              <a:rPr lang="en-US" sz="2200">
-                <a:latin typeface="Calibri"/>
-                <a:cs typeface="Calibri"/>
-              </a:rPr>
-              <a:t> for basic CRUD operations. </a:t>
-            </a:r>
-          </a:p>
-          <a:p>
-            <a:pPr marL="285750" indent="-285750">
+              <a:rPr lang="en-US" sz="2000"/>
+              <a:t>QuestionDao extends JpaRepository for basic CRUD operations. </a:t>
+            </a:r>
+          </a:p>
+          <a:p>
+            <a:pPr marL="285750" indent="-228600">
+              <a:lnSpc>
+                <a:spcPct val="90000"/>
+              </a:lnSpc>
               <a:spcAft>
                 <a:spcPts val="600"/>
               </a:spcAft>
-              <a:buFont typeface="Arial"/>
+              <a:buFont typeface="Arial" panose="020B0604020202020204" pitchFamily="34" charset="0"/>
               <a:buChar char="•"/>
             </a:pPr>
             <a:r>
-              <a:rPr lang="en-US" sz="2200">
-                <a:latin typeface="Calibri"/>
-                <a:cs typeface="Calibri"/>
-              </a:rPr>
-              <a:t>Custom queries (e.g., </a:t>
-            </a:r>
-            <a:r>
-              <a:rPr lang="en-US" sz="2200" err="1">
-                <a:latin typeface="Calibri"/>
-                <a:cs typeface="Calibri"/>
-              </a:rPr>
-              <a:t>findRandomQuestionsByCategory</a:t>
-            </a:r>
-            <a:r>
-              <a:rPr lang="en-US" sz="2200">
-                <a:latin typeface="Calibri"/>
-                <a:cs typeface="Calibri"/>
-              </a:rPr>
-              <a:t>) are implemented using @Query for fetching questions randomly by category. </a:t>
-            </a:r>
-          </a:p>
-          <a:p>
-            <a:pPr>
+              <a:rPr lang="en-US" sz="2000"/>
+              <a:t>Custom queries (e.g., findRandomQuestionsByCategory) are implemented using @Query for fetching questions randomly by category. </a:t>
+            </a:r>
+          </a:p>
+          <a:p>
+            <a:pPr indent="-228600">
+              <a:lnSpc>
+                <a:spcPct val="90000"/>
+              </a:lnSpc>
               <a:spcAft>
                 <a:spcPts val="600"/>
               </a:spcAft>
+              <a:buFont typeface="Arial" panose="020B0604020202020204" pitchFamily="34" charset="0"/>
+              <a:buChar char="•"/>
             </a:pPr>
             <a:r>
-              <a:rPr lang="en-US" sz="2200">
-                <a:latin typeface="Calibri"/>
-                <a:cs typeface="Calibri"/>
-              </a:rPr>
-              <a:t>• ORM automatically manages the data layer, handling operations like saving new questions, </a:t>
-            </a:r>
-            <a:r>
-              <a:rPr lang="en-US" sz="2200" err="1">
-                <a:latin typeface="Calibri"/>
-                <a:cs typeface="Calibri"/>
-              </a:rPr>
-              <a:t>findbyId</a:t>
-            </a:r>
-            <a:r>
-              <a:rPr lang="en-US" sz="2200">
-                <a:latin typeface="Calibri"/>
-                <a:cs typeface="Calibri"/>
-              </a:rPr>
-              <a:t>, </a:t>
-            </a:r>
-            <a:r>
-              <a:rPr lang="en-US" sz="2200" err="1">
-                <a:latin typeface="Calibri"/>
-                <a:cs typeface="Calibri"/>
-              </a:rPr>
-              <a:t>findbyCategory</a:t>
-            </a:r>
-            <a:r>
-              <a:rPr lang="en-US" sz="2200">
-                <a:latin typeface="Calibri"/>
-                <a:cs typeface="Calibri"/>
-              </a:rPr>
-              <a:t>, or updating existing ones using save. </a:t>
-            </a:r>
-          </a:p>
-          <a:p>
-            <a:pPr>
+              <a:rPr lang="en-US" sz="2000"/>
+              <a:t>• ORM automatically manages the data layer, handling operations like saving new questions, findbyId, findbyCategory, or updating existing ones using save. </a:t>
+            </a:r>
+          </a:p>
+          <a:p>
+            <a:pPr indent="-228600">
+              <a:lnSpc>
+                <a:spcPct val="90000"/>
+              </a:lnSpc>
               <a:spcAft>
                 <a:spcPts val="600"/>
               </a:spcAft>
+              <a:buFont typeface="Arial" panose="020B0604020202020204" pitchFamily="34" charset="0"/>
+              <a:buChar char="•"/>
             </a:pPr>
-            <a:endParaRPr lang="en-US" sz="2200">
-              <a:cs typeface="Calibri"/>
-            </a:endParaRPr>
-          </a:p>
-          <a:p>
-            <a:pPr>
+            <a:endParaRPr lang="en-US" sz="2000"/>
+          </a:p>
+          <a:p>
+            <a:pPr indent="-228600">
+              <a:lnSpc>
+                <a:spcPct val="90000"/>
+              </a:lnSpc>
               <a:spcAft>
                 <a:spcPts val="600"/>
               </a:spcAft>
+              <a:buFont typeface="Arial" panose="020B0604020202020204" pitchFamily="34" charset="0"/>
+              <a:buChar char="•"/>
             </a:pPr>
-            <a:endParaRPr lang="en-US" sz="2200">
-              <a:cs typeface="Calibri"/>
-            </a:endParaRPr>
-          </a:p>
-          <a:p>
-            <a:pPr algn="l">
+            <a:endParaRPr lang="en-US" sz="2000"/>
+          </a:p>
+          <a:p>
+            <a:pPr indent="-228600">
+              <a:lnSpc>
+                <a:spcPct val="90000"/>
+              </a:lnSpc>
               <a:spcAft>
                 <a:spcPts val="600"/>
               </a:spcAft>
+              <a:buFont typeface="Arial" panose="020B0604020202020204" pitchFamily="34" charset="0"/>
+              <a:buChar char="•"/>
             </a:pPr>
-            <a:endParaRPr lang="en-US" sz="2200">
-              <a:cs typeface="Calibri"/>
-            </a:endParaRPr>
+            <a:endParaRPr lang="en-US" sz="2000"/>
           </a:p>
         </p:txBody>
       </p:sp>
@@ -20416,6 +21417,168 @@
           <a:chExt cx="0" cy="0"/>
         </a:xfrm>
       </p:grpSpPr>
+      <p:sp useBgFill="1">
+        <p:nvSpPr>
+          <p:cNvPr id="7" name="Rectangle 6">
+            <a:extLst>
+              <a:ext uri="{FF2B5EF4-FFF2-40B4-BE49-F238E27FC236}">
+                <a16:creationId xmlns:a16="http://schemas.microsoft.com/office/drawing/2014/main" id="{017517EF-BD4D-4055-BDB4-A322C53568AD}"/>
+              </a:ext>
+              <a:ext uri="{C183D7F6-B498-43B3-948B-1728B52AA6E4}">
+                <adec:decorative xmlns:adec="http://schemas.microsoft.com/office/drawing/2017/decorative" val="1"/>
+              </a:ext>
+            </a:extLst>
+          </p:cNvPr>
+          <p:cNvSpPr>
+            <a:spLocks noGrp="1" noRot="1" noChangeAspect="1" noMove="1" noResize="1" noEditPoints="1" noAdjustHandles="1" noChangeArrowheads="1" noChangeShapeType="1" noTextEdit="1"/>
+          </p:cNvSpPr>
+          <p:nvPr>
+            <p:extLst>
+              <p:ext uri="{386F3935-93C4-4BCD-93E2-E3B085C9AB24}">
+                <p16:designElem xmlns:p16="http://schemas.microsoft.com/office/powerpoint/2015/main" val="1"/>
+              </p:ext>
+            </p:extLst>
+          </p:nvPr>
+        </p:nvSpPr>
+        <p:spPr>
+          <a:xfrm>
+            <a:off x="0" y="0"/>
+            <a:ext cx="12192000" cy="6858000"/>
+          </a:xfrm>
+          <a:prstGeom prst="rect">
+            <a:avLst/>
+          </a:prstGeom>
+          <a:ln>
+            <a:noFill/>
+          </a:ln>
+        </p:spPr>
+        <p:style>
+          <a:lnRef idx="2">
+            <a:schemeClr val="accent1">
+              <a:shade val="50000"/>
+            </a:schemeClr>
+          </a:lnRef>
+          <a:fillRef idx="1">
+            <a:schemeClr val="accent1"/>
+          </a:fillRef>
+          <a:effectRef idx="0">
+            <a:schemeClr val="accent1"/>
+          </a:effectRef>
+          <a:fontRef idx="minor">
+            <a:schemeClr val="lt1"/>
+          </a:fontRef>
+        </p:style>
+        <p:txBody>
+          <a:bodyPr rtlCol="0" anchor="ctr"/>
+          <a:lstStyle/>
+          <a:p>
+            <a:pPr algn="ctr"/>
+            <a:endParaRPr lang="en-US" dirty="0">
+              <a:ea typeface="Calibri"/>
+              <a:cs typeface="Calibri"/>
+            </a:endParaRPr>
+          </a:p>
+        </p:txBody>
+      </p:sp>
+      <p:sp useBgFill="1">
+        <p:nvSpPr>
+          <p:cNvPr id="8" name="Rectangle 7">
+            <a:extLst>
+              <a:ext uri="{FF2B5EF4-FFF2-40B4-BE49-F238E27FC236}">
+                <a16:creationId xmlns:a16="http://schemas.microsoft.com/office/drawing/2014/main" id="{0ADDB668-2CA4-4D2B-9C34-3487CA330BA8}"/>
+              </a:ext>
+              <a:ext uri="{C183D7F6-B498-43B3-948B-1728B52AA6E4}">
+                <adec:decorative xmlns:adec="http://schemas.microsoft.com/office/drawing/2017/decorative" val="1"/>
+              </a:ext>
+            </a:extLst>
+          </p:cNvPr>
+          <p:cNvSpPr>
+            <a:spLocks noGrp="1" noRot="1" noChangeAspect="1" noMove="1" noResize="1" noEditPoints="1" noAdjustHandles="1" noChangeArrowheads="1" noChangeShapeType="1" noTextEdit="1"/>
+          </p:cNvSpPr>
+          <p:nvPr>
+            <p:extLst>
+              <p:ext uri="{386F3935-93C4-4BCD-93E2-E3B085C9AB24}">
+                <p16:designElem xmlns:p16="http://schemas.microsoft.com/office/powerpoint/2015/main" val="1"/>
+              </p:ext>
+            </p:extLst>
+          </p:nvPr>
+        </p:nvSpPr>
+        <p:spPr>
+          <a:xfrm>
+            <a:off x="551553" y="304802"/>
+            <a:ext cx="11097349" cy="1573149"/>
+          </a:xfrm>
+          <a:prstGeom prst="rect">
+            <a:avLst/>
+          </a:prstGeom>
+          <a:ln w="12700">
+            <a:solidFill>
+              <a:srgbClr val="DEDEDE"/>
+            </a:solidFill>
+          </a:ln>
+          <a:effectLst>
+            <a:outerShdw blurRad="50800" dist="38100" dir="2700000" algn="tl" rotWithShape="0">
+              <a:schemeClr val="bg2">
+                <a:lumMod val="85000"/>
+                <a:alpha val="50000"/>
+              </a:schemeClr>
+            </a:outerShdw>
+          </a:effectLst>
+        </p:spPr>
+        <p:style>
+          <a:lnRef idx="2">
+            <a:schemeClr val="accent1">
+              <a:shade val="50000"/>
+            </a:schemeClr>
+          </a:lnRef>
+          <a:fillRef idx="1">
+            <a:schemeClr val="accent1"/>
+          </a:fillRef>
+          <a:effectRef idx="0">
+            <a:schemeClr val="accent1"/>
+          </a:effectRef>
+          <a:fontRef idx="minor">
+            <a:schemeClr val="lt1"/>
+          </a:fontRef>
+        </p:style>
+        <p:txBody>
+          <a:bodyPr rtlCol="0" anchor="ctr"/>
+          <a:lstStyle/>
+          <a:p>
+            <a:pPr marL="0" marR="0" lvl="0" indent="0" algn="ctr" defTabSz="914400" rtl="0" eaLnBrk="1" fontAlgn="auto" latinLnBrk="0" hangingPunct="1">
+              <a:lnSpc>
+                <a:spcPct val="100000"/>
+              </a:lnSpc>
+              <a:spcBef>
+                <a:spcPts val="0"/>
+              </a:spcBef>
+              <a:spcAft>
+                <a:spcPts val="0"/>
+              </a:spcAft>
+              <a:buClrTx/>
+              <a:buSzTx/>
+              <a:buFontTx/>
+              <a:buNone/>
+              <a:tabLst/>
+              <a:defRPr/>
+            </a:pPr>
+            <a:endParaRPr kumimoji="0" lang="en-US" sz="1800" b="0" i="0" u="none" strike="noStrike" kern="1200" cap="none" spc="0" normalizeH="0" baseline="0" noProof="0">
+              <a:ln>
+                <a:noFill/>
+              </a:ln>
+              <a:solidFill>
+                <a:prstClr val="white"/>
+              </a:solidFill>
+              <a:effectLst/>
+              <a:uLnTx/>
+              <a:uFillTx/>
+              <a:latin typeface="Calibri" panose="020F0502020204030204"/>
+              <a:ea typeface="+mn-ea"/>
+              <a:cs typeface="+mn-cs"/>
+            </a:endParaRPr>
+          </a:p>
+        </p:txBody>
+      </p:sp>
       <p:sp>
         <p:nvSpPr>
           <p:cNvPr id="5" name="TextBox 4">
@@ -20458,7 +21621,7 @@
               </a:spcAft>
             </a:pPr>
             <a:r>
-              <a:rPr lang="en-US" sz="4000" kern="1200">
+              <a:rPr lang="en-US" sz="4000" b="1" kern="1200">
                 <a:solidFill>
                   <a:schemeClr val="tx1"/>
                 </a:solidFill>
@@ -20468,6 +21631,358 @@
               </a:rPr>
               <a:t>Quiz Controller &amp; Service </a:t>
             </a:r>
+          </a:p>
+        </p:txBody>
+      </p:sp>
+      <p:sp>
+        <p:nvSpPr>
+          <p:cNvPr id="2" name="TextBox 1">
+            <a:extLst>
+              <a:ext uri="{FF2B5EF4-FFF2-40B4-BE49-F238E27FC236}">
+                <a16:creationId xmlns:a16="http://schemas.microsoft.com/office/drawing/2014/main" id="{77DEC3B8-06DE-1717-5CE2-25826F0C0F34}"/>
+              </a:ext>
+            </a:extLst>
+          </p:cNvPr>
+          <p:cNvSpPr txBox="1"/>
+          <p:nvPr/>
+        </p:nvSpPr>
+        <p:spPr>
+          <a:xfrm>
+            <a:off x="648575" y="4473959"/>
+            <a:ext cx="5689209" cy="1185353"/>
+          </a:xfrm>
+          <a:prstGeom prst="rect">
+            <a:avLst/>
+          </a:prstGeom>
+        </p:spPr>
+        <p:txBody>
+          <a:bodyPr rot="0" spcFirstLastPara="0" vertOverflow="overflow" horzOverflow="overflow" vert="horz" lIns="91440" tIns="45720" rIns="91440" bIns="45720" numCol="1" spcCol="0" rtlCol="0" fromWordArt="0" anchor="ctr" anchorCtr="0" forceAA="0" compatLnSpc="1">
+            <a:prstTxWarp prst="textNoShape">
+              <a:avLst/>
+            </a:prstTxWarp>
+            <a:noAutofit/>
+          </a:bodyPr>
+          <a:lstStyle/>
+          <a:p>
+            <a:pPr>
+              <a:lnSpc>
+                <a:spcPct val="90000"/>
+              </a:lnSpc>
+              <a:spcBef>
+                <a:spcPts val="1000"/>
+              </a:spcBef>
+              <a:spcAft>
+                <a:spcPts val="600"/>
+              </a:spcAft>
+            </a:pPr>
+            <a:r>
+              <a:rPr lang="en-US" sz="2000" b="1" kern="1200" dirty="0">
+                <a:latin typeface="+mn-lt"/>
+                <a:ea typeface="+mn-ea"/>
+                <a:cs typeface="+mn-cs"/>
+              </a:rPr>
+              <a:t>Controller Layer: </a:t>
+            </a:r>
+            <a:endParaRPr lang="en-US" sz="2000" b="1" kern="1200" dirty="0">
+              <a:latin typeface="+mn-lt"/>
+              <a:ea typeface="Calibri"/>
+              <a:cs typeface="Calibri"/>
+            </a:endParaRPr>
+          </a:p>
+          <a:p>
+            <a:pPr>
+              <a:lnSpc>
+                <a:spcPct val="90000"/>
+              </a:lnSpc>
+              <a:spcBef>
+                <a:spcPts val="1000"/>
+              </a:spcBef>
+              <a:spcAft>
+                <a:spcPts val="600"/>
+              </a:spcAft>
+            </a:pPr>
+            <a:r>
+              <a:rPr lang="en-US" sz="2000" kern="1200" dirty="0">
+                <a:latin typeface="+mn-lt"/>
+                <a:ea typeface="+mn-ea"/>
+                <a:cs typeface="+mn-cs"/>
+              </a:rPr>
+              <a:t>Endpoints implemented: </a:t>
+            </a:r>
+            <a:endParaRPr lang="en-US" sz="2000" kern="1200" dirty="0">
+              <a:latin typeface="+mn-lt"/>
+              <a:ea typeface="Calibri"/>
+              <a:cs typeface="Calibri"/>
+            </a:endParaRPr>
+          </a:p>
+          <a:p>
+            <a:pPr>
+              <a:lnSpc>
+                <a:spcPct val="90000"/>
+              </a:lnSpc>
+              <a:spcBef>
+                <a:spcPts val="1000"/>
+              </a:spcBef>
+              <a:spcAft>
+                <a:spcPts val="600"/>
+              </a:spcAft>
+            </a:pPr>
+            <a:r>
+              <a:rPr lang="en-US" sz="2000" kern="1200" dirty="0">
+                <a:latin typeface="+mn-lt"/>
+                <a:ea typeface="+mn-ea"/>
+                <a:cs typeface="+mn-cs"/>
+              </a:rPr>
+              <a:t>/quiz/create (POST): Create a quiz with random questions. </a:t>
+            </a:r>
+            <a:endParaRPr lang="en-US" sz="2000" kern="1200" dirty="0">
+              <a:latin typeface="+mn-lt"/>
+              <a:ea typeface="Calibri"/>
+              <a:cs typeface="Calibri"/>
+            </a:endParaRPr>
+          </a:p>
+          <a:p>
+            <a:pPr>
+              <a:lnSpc>
+                <a:spcPct val="90000"/>
+              </a:lnSpc>
+              <a:spcBef>
+                <a:spcPts val="1000"/>
+              </a:spcBef>
+              <a:spcAft>
+                <a:spcPts val="600"/>
+              </a:spcAft>
+            </a:pPr>
+            <a:r>
+              <a:rPr lang="en-US" sz="2000" kern="1200" dirty="0">
+                <a:latin typeface="+mn-lt"/>
+                <a:ea typeface="+mn-ea"/>
+                <a:cs typeface="+mn-cs"/>
+              </a:rPr>
+              <a:t>/quiz/get/{id} (GET): Retrieve questions for a specific quiz. </a:t>
+            </a:r>
+            <a:endParaRPr lang="en-US" sz="2000" kern="1200" dirty="0">
+              <a:latin typeface="+mn-lt"/>
+              <a:ea typeface="Calibri"/>
+              <a:cs typeface="Calibri"/>
+            </a:endParaRPr>
+          </a:p>
+          <a:p>
+            <a:pPr>
+              <a:lnSpc>
+                <a:spcPct val="90000"/>
+              </a:lnSpc>
+              <a:spcBef>
+                <a:spcPts val="1000"/>
+              </a:spcBef>
+              <a:spcAft>
+                <a:spcPts val="600"/>
+              </a:spcAft>
+            </a:pPr>
+            <a:r>
+              <a:rPr lang="en-US" sz="2000" kern="1200" dirty="0">
+                <a:latin typeface="+mn-lt"/>
+                <a:ea typeface="+mn-ea"/>
+                <a:cs typeface="+mn-cs"/>
+              </a:rPr>
+              <a:t>• • /quiz/submit/{id} (POST): Calculate quiz results based on user responses. </a:t>
+            </a:r>
+            <a:endParaRPr lang="en-US" sz="2000" kern="1200" dirty="0">
+              <a:latin typeface="+mn-lt"/>
+              <a:ea typeface="Calibri"/>
+              <a:cs typeface="Calibri"/>
+            </a:endParaRPr>
+          </a:p>
+          <a:p>
+            <a:pPr>
+              <a:lnSpc>
+                <a:spcPct val="90000"/>
+              </a:lnSpc>
+              <a:spcBef>
+                <a:spcPts val="1000"/>
+              </a:spcBef>
+              <a:spcAft>
+                <a:spcPts val="600"/>
+              </a:spcAft>
+            </a:pPr>
+            <a:endParaRPr lang="en-US" sz="2000" kern="1200" dirty="0">
+              <a:latin typeface="+mn-lt"/>
+              <a:ea typeface="Calibri"/>
+              <a:cs typeface="Calibri"/>
+            </a:endParaRPr>
+          </a:p>
+          <a:p>
+            <a:pPr>
+              <a:lnSpc>
+                <a:spcPct val="90000"/>
+              </a:lnSpc>
+              <a:spcBef>
+                <a:spcPts val="1000"/>
+              </a:spcBef>
+              <a:spcAft>
+                <a:spcPts val="600"/>
+              </a:spcAft>
+            </a:pPr>
+            <a:endParaRPr lang="en-US" sz="2000" kern="1200" dirty="0">
+              <a:latin typeface="+mn-lt"/>
+              <a:ea typeface="Calibri"/>
+              <a:cs typeface="Calibri"/>
+            </a:endParaRPr>
+          </a:p>
+          <a:p>
+            <a:pPr>
+              <a:lnSpc>
+                <a:spcPct val="90000"/>
+              </a:lnSpc>
+              <a:spcBef>
+                <a:spcPts val="1000"/>
+              </a:spcBef>
+              <a:spcAft>
+                <a:spcPts val="600"/>
+              </a:spcAft>
+            </a:pPr>
+            <a:endParaRPr lang="en-US" sz="2000" kern="1200" dirty="0">
+              <a:latin typeface="+mn-lt"/>
+              <a:ea typeface="Calibri"/>
+              <a:cs typeface="Calibri"/>
+            </a:endParaRPr>
+          </a:p>
+        </p:txBody>
+      </p:sp>
+      <p:sp>
+        <p:nvSpPr>
+          <p:cNvPr id="9" name="Rectangle 8">
+            <a:extLst>
+              <a:ext uri="{FF2B5EF4-FFF2-40B4-BE49-F238E27FC236}">
+                <a16:creationId xmlns:a16="http://schemas.microsoft.com/office/drawing/2014/main" id="{2568BC19-F052-4108-93E1-6A3D1DEC072F}"/>
+              </a:ext>
+              <a:ext uri="{C183D7F6-B498-43B3-948B-1728B52AA6E4}">
+                <adec:decorative xmlns:adec="http://schemas.microsoft.com/office/drawing/2017/decorative" val="1"/>
+              </a:ext>
+            </a:extLst>
+          </p:cNvPr>
+          <p:cNvSpPr>
+            <a:spLocks noGrp="1" noRot="1" noChangeAspect="1" noMove="1" noResize="1" noEditPoints="1" noAdjustHandles="1" noChangeArrowheads="1" noChangeShapeType="1" noTextEdit="1"/>
+          </p:cNvSpPr>
+          <p:nvPr>
+            <p:extLst>
+              <p:ext uri="{386F3935-93C4-4BCD-93E2-E3B085C9AB24}">
+                <p16:designElem xmlns:p16="http://schemas.microsoft.com/office/powerpoint/2015/main" val="1"/>
+              </p:ext>
+            </p:extLst>
+          </p:nvPr>
+        </p:nvSpPr>
+        <p:spPr>
+          <a:xfrm>
+            <a:off x="494784" y="764424"/>
+            <a:ext cx="128016" cy="653903"/>
+          </a:xfrm>
+          <a:prstGeom prst="rect">
+            <a:avLst/>
+          </a:prstGeom>
+          <a:solidFill>
+            <a:schemeClr val="accent2"/>
+          </a:solidFill>
+          <a:ln>
+            <a:noFill/>
+          </a:ln>
+        </p:spPr>
+        <p:style>
+          <a:lnRef idx="2">
+            <a:schemeClr val="accent1">
+              <a:shade val="50000"/>
+            </a:schemeClr>
+          </a:lnRef>
+          <a:fillRef idx="1">
+            <a:schemeClr val="accent1"/>
+          </a:fillRef>
+          <a:effectRef idx="0">
+            <a:schemeClr val="accent1"/>
+          </a:effectRef>
+          <a:fontRef idx="minor">
+            <a:schemeClr val="lt1"/>
+          </a:fontRef>
+        </p:style>
+        <p:txBody>
+          <a:bodyPr rtlCol="0" anchor="ctr"/>
+          <a:lstStyle/>
+          <a:p>
+            <a:pPr algn="ctr"/>
+            <a:endParaRPr lang="en-US">
+              <a:solidFill>
+                <a:prstClr val="white"/>
+              </a:solidFill>
+              <a:latin typeface="Calibri" panose="020F0502020204030204"/>
+            </a:endParaRPr>
+          </a:p>
+        </p:txBody>
+      </p:sp>
+      <p:sp>
+        <p:nvSpPr>
+          <p:cNvPr id="11" name="Rectangle 10">
+            <a:extLst>
+              <a:ext uri="{FF2B5EF4-FFF2-40B4-BE49-F238E27FC236}">
+                <a16:creationId xmlns:a16="http://schemas.microsoft.com/office/drawing/2014/main" id="{D5FD337D-4D6B-4C8B-B6F5-121097E09881}"/>
+              </a:ext>
+              <a:ext uri="{C183D7F6-B498-43B3-948B-1728B52AA6E4}">
+                <adec:decorative xmlns:adec="http://schemas.microsoft.com/office/drawing/2017/decorative" val="1"/>
+              </a:ext>
+            </a:extLst>
+          </p:cNvPr>
+          <p:cNvSpPr>
+            <a:spLocks noGrp="1" noRot="1" noChangeAspect="1" noMove="1" noResize="1" noEditPoints="1" noAdjustHandles="1" noChangeArrowheads="1" noChangeShapeType="1" noTextEdit="1"/>
+          </p:cNvSpPr>
+          <p:nvPr>
+            <p:extLst>
+              <p:ext uri="{386F3935-93C4-4BCD-93E2-E3B085C9AB24}">
+                <p16:designElem xmlns:p16="http://schemas.microsoft.com/office/powerpoint/2015/main" val="1"/>
+              </p:ext>
+            </p:extLst>
+          </p:nvPr>
+        </p:nvSpPr>
+        <p:spPr>
+          <a:xfrm rot="5400000">
+            <a:off x="7126032" y="1067264"/>
+            <a:ext cx="1021458" cy="18288"/>
+          </a:xfrm>
+          <a:prstGeom prst="rect">
+            <a:avLst/>
+          </a:prstGeom>
+          <a:solidFill>
+            <a:srgbClr val="D5D5D5"/>
+          </a:solidFill>
+          <a:ln w="3175">
+            <a:noFill/>
+          </a:ln>
+          <a:effectLst/>
+        </p:spPr>
+        <p:style>
+          <a:lnRef idx="2">
+            <a:schemeClr val="accent1">
+              <a:shade val="50000"/>
+            </a:schemeClr>
+          </a:lnRef>
+          <a:fillRef idx="1">
+            <a:schemeClr val="accent1"/>
+          </a:fillRef>
+          <a:effectRef idx="0">
+            <a:schemeClr val="accent1"/>
+          </a:effectRef>
+          <a:fontRef idx="minor">
+            <a:schemeClr val="lt1"/>
+          </a:fontRef>
+        </p:style>
+        <p:txBody>
+          <a:bodyPr rtlCol="0" anchor="ctr"/>
+          <a:lstStyle/>
+          <a:p>
+            <a:pPr algn="ctr"/>
+            <a:endParaRPr lang="en-US">
+              <a:solidFill>
+                <a:prstClr val="white"/>
+              </a:solidFill>
+              <a:latin typeface="Calibri" panose="020F0502020204030204"/>
+            </a:endParaRPr>
           </a:p>
         </p:txBody>
       </p:sp>
@@ -20485,7 +22000,7 @@
         </p:nvSpPr>
         <p:spPr>
           <a:xfrm>
-            <a:off x="6332302" y="6192294"/>
+            <a:off x="6335464" y="4025865"/>
             <a:ext cx="5855763" cy="954185"/>
           </a:xfrm>
           <a:prstGeom prst="rect">
@@ -20510,14 +22025,14 @@
               </a:spcBef>
             </a:pPr>
             <a:r>
-              <a:rPr lang="en-US" sz="2000" b="1" kern="1200">
+              <a:rPr lang="en-US" sz="2000" b="1" kern="1200" dirty="0">
                 <a:latin typeface="+mn-lt"/>
                 <a:ea typeface="+mn-ea"/>
                 <a:cs typeface="+mn-cs"/>
               </a:rPr>
               <a:t>Service Layer: </a:t>
             </a:r>
-            <a:endParaRPr lang="en-US" sz="2000" b="1" kern="1200">
+            <a:endParaRPr lang="en-US" sz="2000" b="1" kern="1200" dirty="0">
               <a:latin typeface="+mn-lt"/>
               <a:cs typeface="Calibri"/>
             </a:endParaRPr>
@@ -20532,7 +22047,7 @@
               </a:spcBef>
             </a:pPr>
             <a:r>
-              <a:rPr lang="en-US" sz="2000" kern="1200">
+              <a:rPr lang="en-US" sz="2000" kern="1200" dirty="0">
                 <a:latin typeface="+mn-lt"/>
                 <a:ea typeface="+mn-ea"/>
                 <a:cs typeface="+mn-cs"/>
@@ -20540,7 +22055,7 @@
               <a:t>Manages the creation of quizzes by fetching random questions from the </a:t>
             </a:r>
             <a:r>
-              <a:rPr lang="en-US" sz="2000" kern="1200" err="1">
+              <a:rPr lang="en-US" sz="2000" kern="1200" dirty="0" err="1">
                 <a:latin typeface="+mn-lt"/>
                 <a:ea typeface="+mn-ea"/>
                 <a:cs typeface="+mn-cs"/>
@@ -20548,14 +22063,14 @@
               <a:t>QuestionDao</a:t>
             </a:r>
             <a:r>
-              <a:rPr lang="en-US" sz="2000" kern="1200">
+              <a:rPr lang="en-US" sz="2000" kern="1200" dirty="0">
                 <a:latin typeface="+mn-lt"/>
                 <a:ea typeface="+mn-ea"/>
                 <a:cs typeface="+mn-cs"/>
               </a:rPr>
               <a:t> based on category. </a:t>
             </a:r>
-            <a:endParaRPr lang="en-US" sz="2000" kern="1200">
+            <a:endParaRPr lang="en-US" sz="2000" kern="1200" dirty="0">
               <a:latin typeface="+mn-lt"/>
               <a:cs typeface="Calibri"/>
             </a:endParaRPr>
@@ -20570,7 +22085,7 @@
               </a:spcBef>
             </a:pPr>
             <a:r>
-              <a:rPr lang="en-US" sz="2000" kern="1200">
+              <a:rPr lang="en-US" sz="2000" kern="1200" dirty="0">
                 <a:latin typeface="+mn-lt"/>
                 <a:ea typeface="+mn-ea"/>
                 <a:cs typeface="+mn-cs"/>
@@ -20578,7 +22093,7 @@
               <a:t>Uses </a:t>
             </a:r>
             <a:r>
-              <a:rPr lang="en-US" sz="2000" kern="1200" err="1">
+              <a:rPr lang="en-US" sz="2000" kern="1200" dirty="0" err="1">
                 <a:latin typeface="+mn-lt"/>
                 <a:ea typeface="+mn-ea"/>
                 <a:cs typeface="+mn-cs"/>
@@ -20586,14 +22101,14 @@
               <a:t>QuizDao</a:t>
             </a:r>
             <a:r>
-              <a:rPr lang="en-US" sz="2000" kern="1200">
+              <a:rPr lang="en-US" sz="2000" kern="1200" dirty="0">
                 <a:latin typeface="+mn-lt"/>
                 <a:ea typeface="+mn-ea"/>
                 <a:cs typeface="+mn-cs"/>
               </a:rPr>
               <a:t> for database interaction and ensures proper HTTP responses (e.g., 200 OK, 201 Created, 404 Not Found). </a:t>
             </a:r>
-            <a:endParaRPr lang="en-US" sz="2000" kern="1200">
+            <a:endParaRPr lang="en-US" sz="2000" kern="1200" dirty="0">
               <a:latin typeface="+mn-lt"/>
               <a:cs typeface="Calibri"/>
             </a:endParaRPr>
@@ -20608,14 +22123,14 @@
               </a:spcBef>
             </a:pPr>
             <a:r>
-              <a:rPr lang="en-US" sz="2000" kern="1200">
+              <a:rPr lang="en-US" sz="2000" kern="1200" dirty="0">
                 <a:latin typeface="+mn-lt"/>
                 <a:ea typeface="+mn-ea"/>
                 <a:cs typeface="+mn-cs"/>
               </a:rPr>
               <a:t>Calculate Results: </a:t>
             </a:r>
-            <a:endParaRPr lang="en-US" sz="2000" kern="1200">
+            <a:endParaRPr lang="en-US" sz="2000" kern="1200" dirty="0">
               <a:latin typeface="+mn-lt"/>
               <a:cs typeface="Calibri"/>
             </a:endParaRPr>
@@ -20630,14 +22145,14 @@
               </a:spcBef>
             </a:pPr>
             <a:r>
-              <a:rPr lang="en-US" sz="2000" kern="1200">
+              <a:rPr lang="en-US" sz="2000" kern="1200" dirty="0">
                 <a:latin typeface="+mn-lt"/>
                 <a:ea typeface="+mn-ea"/>
                 <a:cs typeface="+mn-cs"/>
               </a:rPr>
               <a:t>Fetches questions associated with the quiz. </a:t>
             </a:r>
-            <a:endParaRPr lang="en-US" sz="2000" kern="1200">
+            <a:endParaRPr lang="en-US" sz="2000" kern="1200" dirty="0">
               <a:latin typeface="+mn-lt"/>
               <a:cs typeface="Calibri"/>
             </a:endParaRPr>
@@ -20652,14 +22167,14 @@
               </a:spcBef>
             </a:pPr>
             <a:r>
-              <a:rPr lang="en-US" sz="2000" kern="1200">
+              <a:rPr lang="en-US" sz="2000" kern="1200" dirty="0">
                 <a:latin typeface="+mn-lt"/>
                 <a:ea typeface="+mn-ea"/>
                 <a:cs typeface="+mn-cs"/>
               </a:rPr>
               <a:t>Compares user responses with the correct answers stored in the Question entity. </a:t>
             </a:r>
-            <a:endParaRPr lang="en-US" sz="2000" kern="1200">
+            <a:endParaRPr lang="en-US" sz="2000" kern="1200" dirty="0">
               <a:latin typeface="+mn-lt"/>
               <a:cs typeface="Calibri"/>
             </a:endParaRPr>
@@ -20674,14 +22189,14 @@
               </a:spcBef>
             </a:pPr>
             <a:r>
-              <a:rPr lang="en-US" sz="2000" kern="1200">
+              <a:rPr lang="en-US" sz="2000" kern="1200" dirty="0">
                 <a:latin typeface="+mn-lt"/>
                 <a:ea typeface="+mn-ea"/>
                 <a:cs typeface="+mn-cs"/>
               </a:rPr>
               <a:t>Calculates the total number of correct answers and returns the result. </a:t>
             </a:r>
-            <a:endParaRPr lang="en-US" sz="2000" kern="1200">
+            <a:endParaRPr lang="en-US" sz="2000" kern="1200" dirty="0">
               <a:latin typeface="+mn-lt"/>
               <a:cs typeface="Calibri"/>
             </a:endParaRPr>
@@ -20695,7 +22210,7 @@
                 <a:spcPts val="1000"/>
               </a:spcBef>
             </a:pPr>
-            <a:endParaRPr lang="en-US" sz="2000" kern="1200">
+            <a:endParaRPr lang="en-US" sz="2000" kern="1200" dirty="0">
               <a:latin typeface="+mn-lt"/>
               <a:cs typeface="Calibri"/>
             </a:endParaRPr>
@@ -20709,144 +22224,8 @@
                 <a:spcPts val="1000"/>
               </a:spcBef>
             </a:pPr>
-            <a:endParaRPr lang="en-US" sz="2000" kern="1200">
+            <a:endParaRPr lang="en-US" sz="2000" kern="1200" dirty="0">
               <a:latin typeface="+mn-lt"/>
-              <a:cs typeface="Calibri"/>
-            </a:endParaRPr>
-          </a:p>
-        </p:txBody>
-      </p:sp>
-      <p:sp>
-        <p:nvSpPr>
-          <p:cNvPr id="2" name="TextBox 1">
-            <a:extLst>
-              <a:ext uri="{FF2B5EF4-FFF2-40B4-BE49-F238E27FC236}">
-                <a16:creationId xmlns:a16="http://schemas.microsoft.com/office/drawing/2014/main" id="{77DEC3B8-06DE-1717-5CE2-25826F0C0F34}"/>
-              </a:ext>
-            </a:extLst>
-          </p:cNvPr>
-          <p:cNvSpPr txBox="1"/>
-          <p:nvPr/>
-        </p:nvSpPr>
-        <p:spPr>
-          <a:xfrm>
-            <a:off x="1158941" y="2235200"/>
-            <a:ext cx="3773714" cy="4324261"/>
-          </a:xfrm>
-          <a:prstGeom prst="rect">
-            <a:avLst/>
-          </a:prstGeom>
-          <a:noFill/>
-        </p:spPr>
-        <p:txBody>
-          <a:bodyPr rot="0" spcFirstLastPara="0" vertOverflow="overflow" horzOverflow="overflow" vert="horz" wrap="square" lIns="91440" tIns="45720" rIns="91440" bIns="45720" numCol="1" spcCol="0" rtlCol="0" fromWordArt="0" anchor="t" anchorCtr="0" forceAA="0" compatLnSpc="1">
-            <a:prstTxWarp prst="textNoShape">
-              <a:avLst/>
-            </a:prstTxWarp>
-            <a:spAutoFit/>
-          </a:bodyPr>
-          <a:lstStyle/>
-          <a:p>
-            <a:pPr>
-              <a:spcAft>
-                <a:spcPts val="600"/>
-              </a:spcAft>
-            </a:pPr>
-            <a:r>
-              <a:rPr lang="en-US" sz="2000" b="1">
-                <a:latin typeface="Calibri"/>
-                <a:cs typeface="Calibri"/>
-              </a:rPr>
-              <a:t>Controller Layer: </a:t>
-            </a:r>
-          </a:p>
-          <a:p>
-            <a:pPr>
-              <a:spcAft>
-                <a:spcPts val="600"/>
-              </a:spcAft>
-            </a:pPr>
-            <a:r>
-              <a:rPr lang="en-US" sz="2000">
-                <a:latin typeface="Calibri"/>
-                <a:cs typeface="Calibri"/>
-              </a:rPr>
-              <a:t>Endpoints implemented: </a:t>
-            </a:r>
-          </a:p>
-          <a:p>
-            <a:pPr marL="285750" indent="-285750">
-              <a:spcAft>
-                <a:spcPts val="600"/>
-              </a:spcAft>
-              <a:buFont typeface="Arial"/>
-              <a:buChar char="•"/>
-            </a:pPr>
-            <a:r>
-              <a:rPr lang="en-US" sz="2000">
-                <a:latin typeface="Calibri"/>
-                <a:cs typeface="Calibri"/>
-              </a:rPr>
-              <a:t>/quiz/create (POST): Create a quiz with random questions. </a:t>
-            </a:r>
-          </a:p>
-          <a:p>
-            <a:pPr marL="285750" indent="-285750">
-              <a:spcAft>
-                <a:spcPts val="600"/>
-              </a:spcAft>
-              <a:buFont typeface="Arial"/>
-              <a:buChar char="•"/>
-            </a:pPr>
-            <a:r>
-              <a:rPr lang="en-US" sz="2000">
-                <a:latin typeface="Calibri"/>
-                <a:cs typeface="Calibri"/>
-              </a:rPr>
-              <a:t>/quiz/get/{id} (GET): Retrieve questions for a specific quiz. </a:t>
-            </a:r>
-          </a:p>
-          <a:p>
-            <a:pPr>
-              <a:spcAft>
-                <a:spcPts val="600"/>
-              </a:spcAft>
-            </a:pPr>
-            <a:r>
-              <a:rPr lang="en-US" sz="2000">
-                <a:latin typeface="Calibri"/>
-                <a:cs typeface="Calibri"/>
-              </a:rPr>
-              <a:t>• • /quiz/submit/{id} (POST): Calculate quiz results based on user responses. </a:t>
-            </a:r>
-          </a:p>
-          <a:p>
-            <a:pPr>
-              <a:spcAft>
-                <a:spcPts val="600"/>
-              </a:spcAft>
-            </a:pPr>
-            <a:endParaRPr lang="en-US" sz="2000">
-              <a:cs typeface="Calibri"/>
-            </a:endParaRPr>
-          </a:p>
-          <a:p>
-            <a:pPr>
-              <a:spcAft>
-                <a:spcPts val="600"/>
-              </a:spcAft>
-            </a:pPr>
-            <a:endParaRPr lang="en-US" sz="2000">
-              <a:cs typeface="Calibri"/>
-            </a:endParaRPr>
-          </a:p>
-          <a:p>
-            <a:pPr algn="l">
-              <a:spcAft>
-                <a:spcPts val="600"/>
-              </a:spcAft>
-            </a:pPr>
-            <a:endParaRPr lang="en-US" sz="2000">
               <a:cs typeface="Calibri"/>
             </a:endParaRPr>
           </a:p>
@@ -20998,16 +22377,18 @@
               </a:spcAft>
             </a:pPr>
             <a:r>
-              <a:rPr lang="en-US" sz="5400" kern="1200">
-                <a:solidFill>
-                  <a:schemeClr val="tx1"/>
-                </a:solidFill>
-                <a:latin typeface="+mj-lt"/>
-                <a:ea typeface="+mj-ea"/>
-                <a:cs typeface="+mj-cs"/>
+              <a:rPr lang="en-US" sz="5400" b="1" kern="1200" dirty="0">
+                <a:latin typeface="Calibri"/>
+                <a:ea typeface="Calibri"/>
+                <a:cs typeface="Calibri"/>
               </a:rPr>
               <a:t>Work Flow</a:t>
             </a:r>
+            <a:endParaRPr lang="en-US" sz="5400" b="1" kern="1200">
+              <a:latin typeface="Calibri"/>
+              <a:ea typeface="Calibri"/>
+              <a:cs typeface="Calibri"/>
+            </a:endParaRPr>
           </a:p>
         </p:txBody>
       </p:sp>
